--- a/遇見你.pptx
+++ b/遇見你.pptx
@@ -9,8 +9,13 @@
     <p:sldId id="257" r:id="rId3"/>
     <p:sldId id="258" r:id="rId4"/>
     <p:sldId id="259" r:id="rId5"/>
+    <p:sldId id="260" r:id="rId6"/>
+    <p:sldId id="261" r:id="rId7"/>
+    <p:sldId id="262" r:id="rId8"/>
+    <p:sldId id="263" r:id="rId9"/>
+    <p:sldId id="264" r:id="rId10"/>
   </p:sldIdLst>
-  <p:sldSz cx="9144000" cy="6858000" type="screen4x3"/>
+  <p:sldSz cx="12192000" cy="6858000"/>
   <p:notesSz cx="6858000" cy="9144000"/>
   <p:defaultTextStyle>
     <a:defPPr>
@@ -107,6 +112,22 @@
       </a:defRPr>
     </a:lvl9pPr>
   </p:defaultTextStyle>
+  <p:extLst>
+    <p:ext uri="{EFAFB233-063F-42B5-8137-9DF3F51BA10A}">
+      <p15:sldGuideLst xmlns:p15="http://schemas.microsoft.com/office/powerpoint/2012/main">
+        <p15:guide id="1" orient="horz" pos="2160" userDrawn="1">
+          <p15:clr>
+            <a:srgbClr val="A4A3A4"/>
+          </p15:clr>
+        </p15:guide>
+        <p15:guide id="2" pos="3840" userDrawn="1">
+          <p15:clr>
+            <a:srgbClr val="A4A3A4"/>
+          </p15:clr>
+        </p15:guide>
+      </p15:sldGuideLst>
+    </p:ext>
+  </p:extLst>
 </p:presentation>
 </file>
 
@@ -139,8 +160,8 @@
         </p:nvSpPr>
         <p:spPr>
           <a:xfrm>
-            <a:off x="685800" y="2130425"/>
-            <a:ext cx="7772400" cy="1470025"/>
+            <a:off x="914400" y="2130426"/>
+            <a:ext cx="10363200" cy="1470025"/>
           </a:xfrm>
         </p:spPr>
         <p:txBody>
@@ -167,8 +188,8 @@
         </p:nvSpPr>
         <p:spPr>
           <a:xfrm>
-            <a:off x="1371600" y="3886200"/>
-            <a:ext cx="6400800" cy="1752600"/>
+            <a:off x="1828800" y="3886200"/>
+            <a:ext cx="8534400" cy="1752600"/>
           </a:xfrm>
         </p:spPr>
         <p:txBody>
@@ -291,7 +312,7 @@
           <a:p>
             <a:fld id="{9C2E27BE-7C78-453E-8D49-6C3E6F394594}" type="datetimeFigureOut">
               <a:rPr lang="zh-TW" altLang="en-US" smtClean="0"/>
-              <a:t>2018/2/15</a:t>
+              <a:t>2020/11/28</a:t>
             </a:fld>
             <a:endParaRPr lang="zh-TW" altLang="en-US"/>
           </a:p>
@@ -456,7 +477,7 @@
           <a:p>
             <a:fld id="{9C2E27BE-7C78-453E-8D49-6C3E6F394594}" type="datetimeFigureOut">
               <a:rPr lang="zh-TW" altLang="en-US" smtClean="0"/>
-              <a:t>2018/2/15</a:t>
+              <a:t>2020/11/28</a:t>
             </a:fld>
             <a:endParaRPr lang="zh-TW" altLang="en-US"/>
           </a:p>
@@ -541,8 +562,8 @@
         </p:nvSpPr>
         <p:spPr>
           <a:xfrm>
-            <a:off x="6629400" y="274638"/>
-            <a:ext cx="2057400" cy="5851525"/>
+            <a:off x="8839200" y="274639"/>
+            <a:ext cx="2743200" cy="5851525"/>
           </a:xfrm>
         </p:spPr>
         <p:txBody>
@@ -569,8 +590,8 @@
         </p:nvSpPr>
         <p:spPr>
           <a:xfrm>
-            <a:off x="457200" y="274638"/>
-            <a:ext cx="6019800" cy="5851525"/>
+            <a:off x="609600" y="274639"/>
+            <a:ext cx="8026400" cy="5851525"/>
           </a:xfrm>
         </p:spPr>
         <p:txBody>
@@ -631,7 +652,7 @@
           <a:p>
             <a:fld id="{9C2E27BE-7C78-453E-8D49-6C3E6F394594}" type="datetimeFigureOut">
               <a:rPr lang="zh-TW" altLang="en-US" smtClean="0"/>
-              <a:t>2018/2/15</a:t>
+              <a:t>2020/11/28</a:t>
             </a:fld>
             <a:endParaRPr lang="zh-TW" altLang="en-US"/>
           </a:p>
@@ -796,7 +817,7 @@
           <a:p>
             <a:fld id="{9C2E27BE-7C78-453E-8D49-6C3E6F394594}" type="datetimeFigureOut">
               <a:rPr lang="zh-TW" altLang="en-US" smtClean="0"/>
-              <a:t>2018/2/15</a:t>
+              <a:t>2020/11/28</a:t>
             </a:fld>
             <a:endParaRPr lang="zh-TW" altLang="en-US"/>
           </a:p>
@@ -881,8 +902,8 @@
         </p:nvSpPr>
         <p:spPr>
           <a:xfrm>
-            <a:off x="722313" y="4406900"/>
-            <a:ext cx="7772400" cy="1362075"/>
+            <a:off x="963084" y="4406901"/>
+            <a:ext cx="10363200" cy="1362075"/>
           </a:xfrm>
         </p:spPr>
         <p:txBody>
@@ -913,8 +934,8 @@
         </p:nvSpPr>
         <p:spPr>
           <a:xfrm>
-            <a:off x="722313" y="2906713"/>
-            <a:ext cx="7772400" cy="1500187"/>
+            <a:off x="963084" y="2906713"/>
+            <a:ext cx="10363200" cy="1500187"/>
           </a:xfrm>
         </p:spPr>
         <p:txBody>
@@ -1037,7 +1058,7 @@
           <a:p>
             <a:fld id="{9C2E27BE-7C78-453E-8D49-6C3E6F394594}" type="datetimeFigureOut">
               <a:rPr lang="zh-TW" altLang="en-US" smtClean="0"/>
-              <a:t>2018/2/15</a:t>
+              <a:t>2020/11/28</a:t>
             </a:fld>
             <a:endParaRPr lang="zh-TW" altLang="en-US"/>
           </a:p>
@@ -1145,8 +1166,8 @@
         </p:nvSpPr>
         <p:spPr>
           <a:xfrm>
-            <a:off x="457200" y="1600200"/>
-            <a:ext cx="4038600" cy="4525963"/>
+            <a:off x="609600" y="1600201"/>
+            <a:ext cx="5384800" cy="4525963"/>
           </a:xfrm>
         </p:spPr>
         <p:txBody>
@@ -1230,8 +1251,8 @@
         </p:nvSpPr>
         <p:spPr>
           <a:xfrm>
-            <a:off x="4648200" y="1600200"/>
-            <a:ext cx="4038600" cy="4525963"/>
+            <a:off x="6197600" y="1600201"/>
+            <a:ext cx="5384800" cy="4525963"/>
           </a:xfrm>
         </p:spPr>
         <p:txBody>
@@ -1320,7 +1341,7 @@
           <a:p>
             <a:fld id="{9C2E27BE-7C78-453E-8D49-6C3E6F394594}" type="datetimeFigureOut">
               <a:rPr lang="zh-TW" altLang="en-US" smtClean="0"/>
-              <a:t>2018/2/15</a:t>
+              <a:t>2020/11/28</a:t>
             </a:fld>
             <a:endParaRPr lang="zh-TW" altLang="en-US"/>
           </a:p>
@@ -1432,8 +1453,8 @@
         </p:nvSpPr>
         <p:spPr>
           <a:xfrm>
-            <a:off x="457200" y="1535113"/>
-            <a:ext cx="4040188" cy="639762"/>
+            <a:off x="609600" y="1535113"/>
+            <a:ext cx="5386917" cy="639762"/>
           </a:xfrm>
         </p:spPr>
         <p:txBody>
@@ -1497,8 +1518,8 @@
         </p:nvSpPr>
         <p:spPr>
           <a:xfrm>
-            <a:off x="457200" y="2174875"/>
-            <a:ext cx="4040188" cy="3951288"/>
+            <a:off x="609600" y="2174875"/>
+            <a:ext cx="5386917" cy="3951288"/>
           </a:xfrm>
         </p:spPr>
         <p:txBody>
@@ -1582,8 +1603,8 @@
         </p:nvSpPr>
         <p:spPr>
           <a:xfrm>
-            <a:off x="4645025" y="1535113"/>
-            <a:ext cx="4041775" cy="639762"/>
+            <a:off x="6193368" y="1535113"/>
+            <a:ext cx="5389033" cy="639762"/>
           </a:xfrm>
         </p:spPr>
         <p:txBody>
@@ -1647,8 +1668,8 @@
         </p:nvSpPr>
         <p:spPr>
           <a:xfrm>
-            <a:off x="4645025" y="2174875"/>
-            <a:ext cx="4041775" cy="3951288"/>
+            <a:off x="6193368" y="2174875"/>
+            <a:ext cx="5389033" cy="3951288"/>
           </a:xfrm>
         </p:spPr>
         <p:txBody>
@@ -1737,7 +1758,7 @@
           <a:p>
             <a:fld id="{9C2E27BE-7C78-453E-8D49-6C3E6F394594}" type="datetimeFigureOut">
               <a:rPr lang="zh-TW" altLang="en-US" smtClean="0"/>
-              <a:t>2018/2/15</a:t>
+              <a:t>2020/11/28</a:t>
             </a:fld>
             <a:endParaRPr lang="zh-TW" altLang="en-US"/>
           </a:p>
@@ -1850,7 +1871,7 @@
           <a:p>
             <a:fld id="{9C2E27BE-7C78-453E-8D49-6C3E6F394594}" type="datetimeFigureOut">
               <a:rPr lang="zh-TW" altLang="en-US" smtClean="0"/>
-              <a:t>2018/2/15</a:t>
+              <a:t>2020/11/28</a:t>
             </a:fld>
             <a:endParaRPr lang="zh-TW" altLang="en-US"/>
           </a:p>
@@ -1940,7 +1961,7 @@
           <a:p>
             <a:fld id="{9C2E27BE-7C78-453E-8D49-6C3E6F394594}" type="datetimeFigureOut">
               <a:rPr lang="zh-TW" altLang="en-US" smtClean="0"/>
-              <a:t>2018/2/15</a:t>
+              <a:t>2020/11/28</a:t>
             </a:fld>
             <a:endParaRPr lang="zh-TW" altLang="en-US"/>
           </a:p>
@@ -2025,8 +2046,8 @@
         </p:nvSpPr>
         <p:spPr>
           <a:xfrm>
-            <a:off x="457200" y="273050"/>
-            <a:ext cx="3008313" cy="1162050"/>
+            <a:off x="609601" y="273050"/>
+            <a:ext cx="4011084" cy="1162050"/>
           </a:xfrm>
         </p:spPr>
         <p:txBody>
@@ -2057,8 +2078,8 @@
         </p:nvSpPr>
         <p:spPr>
           <a:xfrm>
-            <a:off x="3575050" y="273050"/>
-            <a:ext cx="5111750" cy="5853113"/>
+            <a:off x="4766733" y="273051"/>
+            <a:ext cx="6815667" cy="5853113"/>
           </a:xfrm>
         </p:spPr>
         <p:txBody>
@@ -2142,8 +2163,8 @@
         </p:nvSpPr>
         <p:spPr>
           <a:xfrm>
-            <a:off x="457200" y="1435100"/>
-            <a:ext cx="3008313" cy="4691063"/>
+            <a:off x="609601" y="1435101"/>
+            <a:ext cx="4011084" cy="4691063"/>
           </a:xfrm>
         </p:spPr>
         <p:txBody>
@@ -2212,7 +2233,7 @@
           <a:p>
             <a:fld id="{9C2E27BE-7C78-453E-8D49-6C3E6F394594}" type="datetimeFigureOut">
               <a:rPr lang="zh-TW" altLang="en-US" smtClean="0"/>
-              <a:t>2018/2/15</a:t>
+              <a:t>2020/11/28</a:t>
             </a:fld>
             <a:endParaRPr lang="zh-TW" altLang="en-US"/>
           </a:p>
@@ -2297,8 +2318,8 @@
         </p:nvSpPr>
         <p:spPr>
           <a:xfrm>
-            <a:off x="1792288" y="4800600"/>
-            <a:ext cx="5486400" cy="566738"/>
+            <a:off x="2389717" y="4800600"/>
+            <a:ext cx="7315200" cy="566738"/>
           </a:xfrm>
         </p:spPr>
         <p:txBody>
@@ -2329,8 +2350,8 @@
         </p:nvSpPr>
         <p:spPr>
           <a:xfrm>
-            <a:off x="1792288" y="612775"/>
-            <a:ext cx="5486400" cy="4114800"/>
+            <a:off x="2389717" y="612775"/>
+            <a:ext cx="7315200" cy="4114800"/>
           </a:xfrm>
         </p:spPr>
         <p:txBody>
@@ -2394,8 +2415,8 @@
         </p:nvSpPr>
         <p:spPr>
           <a:xfrm>
-            <a:off x="1792288" y="5367338"/>
-            <a:ext cx="5486400" cy="804862"/>
+            <a:off x="2389717" y="5367338"/>
+            <a:ext cx="7315200" cy="804862"/>
           </a:xfrm>
         </p:spPr>
         <p:txBody>
@@ -2464,7 +2485,7 @@
           <a:p>
             <a:fld id="{9C2E27BE-7C78-453E-8D49-6C3E6F394594}" type="datetimeFigureOut">
               <a:rPr lang="zh-TW" altLang="en-US" smtClean="0"/>
-              <a:t>2018/2/15</a:t>
+              <a:t>2020/11/28</a:t>
             </a:fld>
             <a:endParaRPr lang="zh-TW" altLang="en-US"/>
           </a:p>
@@ -2559,8 +2580,8 @@
         </p:nvSpPr>
         <p:spPr>
           <a:xfrm>
-            <a:off x="457200" y="274638"/>
-            <a:ext cx="8229600" cy="1143000"/>
+            <a:off x="609600" y="274638"/>
+            <a:ext cx="10972800" cy="1143000"/>
           </a:xfrm>
           <a:prstGeom prst="rect">
             <a:avLst/>
@@ -2592,8 +2613,8 @@
         </p:nvSpPr>
         <p:spPr>
           <a:xfrm>
-            <a:off x="457200" y="1600200"/>
-            <a:ext cx="8229600" cy="4525963"/>
+            <a:off x="609600" y="1600201"/>
+            <a:ext cx="10972800" cy="4525963"/>
           </a:xfrm>
           <a:prstGeom prst="rect">
             <a:avLst/>
@@ -2654,8 +2675,8 @@
         </p:nvSpPr>
         <p:spPr>
           <a:xfrm>
-            <a:off x="457200" y="6356350"/>
-            <a:ext cx="2133600" cy="365125"/>
+            <a:off x="609600" y="6356351"/>
+            <a:ext cx="2844800" cy="365125"/>
           </a:xfrm>
           <a:prstGeom prst="rect">
             <a:avLst/>
@@ -2677,7 +2698,7 @@
           <a:p>
             <a:fld id="{9C2E27BE-7C78-453E-8D49-6C3E6F394594}" type="datetimeFigureOut">
               <a:rPr lang="zh-TW" altLang="en-US" smtClean="0"/>
-              <a:t>2018/2/15</a:t>
+              <a:t>2020/11/28</a:t>
             </a:fld>
             <a:endParaRPr lang="zh-TW" altLang="en-US"/>
           </a:p>
@@ -2695,8 +2716,8 @@
         </p:nvSpPr>
         <p:spPr>
           <a:xfrm>
-            <a:off x="3124200" y="6356350"/>
-            <a:ext cx="2895600" cy="365125"/>
+            <a:off x="4165600" y="6356351"/>
+            <a:ext cx="3860800" cy="365125"/>
           </a:xfrm>
           <a:prstGeom prst="rect">
             <a:avLst/>
@@ -2732,8 +2753,8 @@
         </p:nvSpPr>
         <p:spPr>
           <a:xfrm>
-            <a:off x="6553200" y="6356350"/>
-            <a:ext cx="2133600" cy="365125"/>
+            <a:off x="8737600" y="6356351"/>
+            <a:ext cx="2844800" cy="365125"/>
           </a:xfrm>
           <a:prstGeom prst="rect">
             <a:avLst/>
@@ -3057,266 +3078,75 @@
             <p:ph type="title"/>
           </p:nvPr>
         </p:nvSpPr>
-        <p:spPr/>
-        <p:txBody>
-          <a:bodyPr/>
-          <a:lstStyle/>
-          <a:p>
-            <a:r>
-              <a:rPr lang="zh-TW" altLang="en-US" b="1" dirty="0" smtClean="0">
-                <a:solidFill>
-                  <a:srgbClr val="660033"/>
-                </a:solidFill>
+        <p:spPr>
+          <a:xfrm>
+            <a:off x="0" y="2857513"/>
+            <a:ext cx="12192000" cy="1143000"/>
+          </a:xfrm>
+        </p:spPr>
+        <p:txBody>
+          <a:bodyPr>
+            <a:noAutofit/>
+          </a:bodyPr>
+          <a:lstStyle/>
+          <a:p>
+            <a:r>
+              <a:rPr lang="zh-TW" altLang="en-US" sz="7200" b="1" i="1" dirty="0">
+                <a:solidFill>
+                  <a:srgbClr val="000066"/>
+                </a:solidFill>
+                <a:effectLst>
+                  <a:outerShdw blurRad="38100" dist="38100" dir="2700000" algn="tl">
+                    <a:srgbClr val="000000">
+                      <a:alpha val="43137"/>
+                    </a:srgbClr>
+                  </a:outerShdw>
+                </a:effectLst>
                 <a:latin typeface="微軟正黑體" pitchFamily="34" charset="-120"/>
                 <a:ea typeface="微軟正黑體" pitchFamily="34" charset="-120"/>
               </a:rPr>
-              <a:t>遇見你</a:t>
-            </a:r>
-            <a:endParaRPr lang="zh-TW" altLang="en-US" b="1" dirty="0">
+              <a:t>遇見</a:t>
+            </a:r>
+            <a:r>
+              <a:rPr lang="zh-CN" altLang="en-US" sz="7200" b="1" i="1" dirty="0">
+                <a:solidFill>
+                  <a:srgbClr val="000066"/>
+                </a:solidFill>
+                <a:effectLst>
+                  <a:outerShdw blurRad="38100" dist="38100" dir="2700000" algn="tl">
+                    <a:srgbClr val="000000">
+                      <a:alpha val="43137"/>
+                    </a:srgbClr>
+                  </a:outerShdw>
+                </a:effectLst>
+                <a:latin typeface="微軟正黑體" pitchFamily="34" charset="-120"/>
+                <a:ea typeface="微軟正黑體" pitchFamily="34" charset="-120"/>
+              </a:rPr>
+              <a:t>袮</a:t>
+            </a:r>
+            <a:endParaRPr lang="zh-TW" altLang="en-US" sz="7200" b="1" i="1" dirty="0">
               <a:solidFill>
-                <a:srgbClr val="660033"/>
+                <a:srgbClr val="000066"/>
               </a:solidFill>
+              <a:effectLst>
+                <a:outerShdw blurRad="38100" dist="38100" dir="2700000" algn="tl">
+                  <a:srgbClr val="000000">
+                    <a:alpha val="43137"/>
+                  </a:srgbClr>
+                </a:outerShdw>
+              </a:effectLst>
               <a:latin typeface="微軟正黑體" pitchFamily="34" charset="-120"/>
               <a:ea typeface="微軟正黑體" pitchFamily="34" charset="-120"/>
             </a:endParaRPr>
           </a:p>
         </p:txBody>
       </p:sp>
-      <p:sp>
-        <p:nvSpPr>
-          <p:cNvPr id="5" name="內容版面配置區 4"/>
-          <p:cNvSpPr>
-            <a:spLocks noGrp="1"/>
-          </p:cNvSpPr>
-          <p:nvPr>
-            <p:ph idx="1"/>
-          </p:nvPr>
-        </p:nvSpPr>
-        <p:spPr>
-          <a:xfrm>
-            <a:off x="0" y="1600200"/>
-            <a:ext cx="9144000" cy="4525963"/>
-          </a:xfrm>
-        </p:spPr>
-        <p:txBody>
-          <a:bodyPr>
-            <a:noAutofit/>
-          </a:bodyPr>
-          <a:lstStyle/>
-          <a:p>
-            <a:pPr algn="ctr">
-              <a:buNone/>
-            </a:pPr>
-            <a:r>
-              <a:rPr lang="zh-TW" altLang="en-US" sz="5400" b="1" dirty="0">
-                <a:solidFill>
-                  <a:srgbClr val="660033"/>
-                </a:solidFill>
-                <a:latin typeface="微軟正黑體" pitchFamily="34" charset="-120"/>
-                <a:ea typeface="微軟正黑體" pitchFamily="34" charset="-120"/>
-              </a:rPr>
-              <a:t>當我遇見</a:t>
-            </a:r>
-            <a:r>
-              <a:rPr lang="zh-TW" altLang="en-US" sz="5400" b="1" dirty="0" smtClean="0">
-                <a:solidFill>
-                  <a:srgbClr val="660033"/>
-                </a:solidFill>
-                <a:latin typeface="微軟正黑體" pitchFamily="34" charset="-120"/>
-                <a:ea typeface="微軟正黑體" pitchFamily="34" charset="-120"/>
-              </a:rPr>
-              <a:t>你</a:t>
-            </a:r>
-            <a:r>
-              <a:rPr lang="en-US" altLang="zh-TW" sz="5400" b="1" dirty="0">
-                <a:solidFill>
-                  <a:srgbClr val="660033"/>
-                </a:solidFill>
-                <a:latin typeface="微軟正黑體" pitchFamily="34" charset="-120"/>
-                <a:ea typeface="微軟正黑體" pitchFamily="34" charset="-120"/>
-              </a:rPr>
-              <a:t> </a:t>
-            </a:r>
-            <a:r>
-              <a:rPr lang="en-US" altLang="zh-TW" sz="5400" b="1" dirty="0" smtClean="0">
-                <a:solidFill>
-                  <a:srgbClr val="660033"/>
-                </a:solidFill>
-                <a:latin typeface="微軟正黑體" pitchFamily="34" charset="-120"/>
-                <a:ea typeface="微軟正黑體" pitchFamily="34" charset="-120"/>
-              </a:rPr>
-              <a:t> </a:t>
-            </a:r>
-            <a:r>
-              <a:rPr lang="zh-TW" altLang="en-US" sz="5400" b="1" dirty="0" smtClean="0">
-                <a:solidFill>
-                  <a:srgbClr val="660033"/>
-                </a:solidFill>
-                <a:latin typeface="微軟正黑體" pitchFamily="34" charset="-120"/>
-                <a:ea typeface="微軟正黑體" pitchFamily="34" charset="-120"/>
-              </a:rPr>
-              <a:t>使</a:t>
-            </a:r>
-            <a:r>
-              <a:rPr lang="zh-TW" altLang="en-US" sz="5400" b="1" dirty="0">
-                <a:solidFill>
-                  <a:srgbClr val="660033"/>
-                </a:solidFill>
-                <a:latin typeface="微軟正黑體" pitchFamily="34" charset="-120"/>
-                <a:ea typeface="微軟正黑體" pitchFamily="34" charset="-120"/>
-              </a:rPr>
-              <a:t>我夜間</a:t>
-            </a:r>
-            <a:r>
-              <a:rPr lang="zh-TW" altLang="en-US" sz="5400" b="1" dirty="0" smtClean="0">
-                <a:solidFill>
-                  <a:srgbClr val="660033"/>
-                </a:solidFill>
-                <a:latin typeface="微軟正黑體" pitchFamily="34" charset="-120"/>
-                <a:ea typeface="微軟正黑體" pitchFamily="34" charset="-120"/>
-              </a:rPr>
-              <a:t>歌唱</a:t>
-            </a:r>
-            <a:endParaRPr lang="en-US" altLang="zh-TW" sz="5400" b="1" dirty="0" smtClean="0">
-              <a:solidFill>
-                <a:srgbClr val="660033"/>
-              </a:solidFill>
-              <a:latin typeface="微軟正黑體" pitchFamily="34" charset="-120"/>
-              <a:ea typeface="微軟正黑體" pitchFamily="34" charset="-120"/>
-            </a:endParaRPr>
-          </a:p>
-          <a:p>
-            <a:pPr algn="ctr">
-              <a:buNone/>
-            </a:pPr>
-            <a:r>
-              <a:rPr lang="zh-TW" altLang="en-US" sz="5400" b="1" dirty="0" smtClean="0">
-                <a:solidFill>
-                  <a:srgbClr val="660033"/>
-                </a:solidFill>
-                <a:latin typeface="微軟正黑體" pitchFamily="34" charset="-120"/>
-                <a:ea typeface="微軟正黑體" pitchFamily="34" charset="-120"/>
-              </a:rPr>
-              <a:t>超越</a:t>
-            </a:r>
-            <a:r>
-              <a:rPr lang="zh-TW" altLang="en-US" sz="5400" b="1" dirty="0">
-                <a:solidFill>
-                  <a:srgbClr val="660033"/>
-                </a:solidFill>
-                <a:latin typeface="微軟正黑體" pitchFamily="34" charset="-120"/>
-                <a:ea typeface="微軟正黑體" pitchFamily="34" charset="-120"/>
-              </a:rPr>
-              <a:t>一切環境 </a:t>
-            </a:r>
-            <a:r>
-              <a:rPr lang="zh-TW" altLang="en-US" sz="5400" b="1" dirty="0" smtClean="0">
-                <a:solidFill>
-                  <a:srgbClr val="660033"/>
-                </a:solidFill>
-                <a:latin typeface="微軟正黑體" pitchFamily="34" charset="-120"/>
-                <a:ea typeface="微軟正黑體" pitchFamily="34" charset="-120"/>
-              </a:rPr>
-              <a:t>  看見</a:t>
-            </a:r>
-            <a:r>
-              <a:rPr lang="zh-TW" altLang="en-US" sz="5400" b="1" dirty="0">
-                <a:solidFill>
-                  <a:srgbClr val="660033"/>
-                </a:solidFill>
-                <a:latin typeface="微軟正黑體" pitchFamily="34" charset="-120"/>
-                <a:ea typeface="微軟正黑體" pitchFamily="34" charset="-120"/>
-              </a:rPr>
-              <a:t>你的同</a:t>
-            </a:r>
-            <a:r>
-              <a:rPr lang="zh-TW" altLang="en-US" sz="5400" b="1" dirty="0" smtClean="0">
-                <a:solidFill>
-                  <a:srgbClr val="660033"/>
-                </a:solidFill>
-                <a:latin typeface="微軟正黑體" pitchFamily="34" charset="-120"/>
-                <a:ea typeface="微軟正黑體" pitchFamily="34" charset="-120"/>
-              </a:rPr>
-              <a:t>在</a:t>
-            </a:r>
-            <a:endParaRPr lang="en-US" altLang="zh-TW" sz="5400" b="1" dirty="0" smtClean="0">
-              <a:solidFill>
-                <a:srgbClr val="660033"/>
-              </a:solidFill>
-              <a:latin typeface="微軟正黑體" pitchFamily="34" charset="-120"/>
-              <a:ea typeface="微軟正黑體" pitchFamily="34" charset="-120"/>
-            </a:endParaRPr>
-          </a:p>
-          <a:p>
-            <a:pPr algn="ctr">
-              <a:buNone/>
-            </a:pPr>
-            <a:r>
-              <a:rPr lang="zh-TW" altLang="en-US" sz="5400" b="1" dirty="0" smtClean="0">
-                <a:solidFill>
-                  <a:srgbClr val="660033"/>
-                </a:solidFill>
-                <a:latin typeface="微軟正黑體" pitchFamily="34" charset="-120"/>
-                <a:ea typeface="微軟正黑體" pitchFamily="34" charset="-120"/>
-              </a:rPr>
-              <a:t>我</a:t>
-            </a:r>
-            <a:r>
-              <a:rPr lang="zh-TW" altLang="en-US" sz="5400" b="1" dirty="0">
-                <a:solidFill>
-                  <a:srgbClr val="660033"/>
-                </a:solidFill>
-                <a:latin typeface="微軟正黑體" pitchFamily="34" charset="-120"/>
-                <a:ea typeface="微軟正黑體" pitchFamily="34" charset="-120"/>
-              </a:rPr>
-              <a:t>的心歡喜 我的靈</a:t>
-            </a:r>
-            <a:r>
-              <a:rPr lang="zh-TW" altLang="en-US" sz="5400" b="1" dirty="0" smtClean="0">
-                <a:solidFill>
-                  <a:srgbClr val="660033"/>
-                </a:solidFill>
-                <a:latin typeface="微軟正黑體" pitchFamily="34" charset="-120"/>
-                <a:ea typeface="微軟正黑體" pitchFamily="34" charset="-120"/>
-              </a:rPr>
-              <a:t>快樂</a:t>
-            </a:r>
-            <a:endParaRPr lang="en-US" altLang="zh-TW" sz="5400" b="1" dirty="0" smtClean="0">
-              <a:solidFill>
-                <a:srgbClr val="660033"/>
-              </a:solidFill>
-              <a:latin typeface="微軟正黑體" pitchFamily="34" charset="-120"/>
-              <a:ea typeface="微軟正黑體" pitchFamily="34" charset="-120"/>
-            </a:endParaRPr>
-          </a:p>
-          <a:p>
-            <a:pPr algn="ctr">
-              <a:buNone/>
-            </a:pPr>
-            <a:r>
-              <a:rPr lang="zh-TW" altLang="en-US" sz="5400" b="1" dirty="0" smtClean="0">
-                <a:solidFill>
-                  <a:srgbClr val="660033"/>
-                </a:solidFill>
-                <a:latin typeface="微軟正黑體" pitchFamily="34" charset="-120"/>
-                <a:ea typeface="微軟正黑體" pitchFamily="34" charset="-120"/>
-              </a:rPr>
-              <a:t>我</a:t>
-            </a:r>
-            <a:r>
-              <a:rPr lang="zh-TW" altLang="en-US" sz="5400" b="1" dirty="0">
-                <a:solidFill>
-                  <a:srgbClr val="660033"/>
-                </a:solidFill>
-                <a:latin typeface="微軟正黑體" pitchFamily="34" charset="-120"/>
-                <a:ea typeface="微軟正黑體" pitchFamily="34" charset="-120"/>
-              </a:rPr>
-              <a:t>全人安然居住</a:t>
-            </a:r>
-          </a:p>
-        </p:txBody>
-      </p:sp>
     </p:spTree>
+    <p:extLst>
+      <p:ext uri="{BB962C8B-B14F-4D97-AF65-F5344CB8AC3E}">
+        <p14:creationId xmlns:p14="http://schemas.microsoft.com/office/powerpoint/2010/main" val="2799653032"/>
+      </p:ext>
+    </p:extLst>
   </p:cSld>
   <p:clrMapOvr>
     <a:masterClrMapping/>
@@ -3343,211 +3173,127 @@
       </p:grpSpPr>
       <p:sp>
         <p:nvSpPr>
-          <p:cNvPr id="4" name="標題 3"/>
-          <p:cNvSpPr>
-            <a:spLocks noGrp="1"/>
-          </p:cNvSpPr>
-          <p:nvPr>
-            <p:ph type="title"/>
-          </p:nvPr>
-        </p:nvSpPr>
-        <p:spPr/>
-        <p:txBody>
-          <a:bodyPr/>
-          <a:lstStyle/>
-          <a:p>
-            <a:r>
-              <a:rPr lang="zh-TW" altLang="en-US" b="1" dirty="0" smtClean="0">
-                <a:solidFill>
-                  <a:srgbClr val="660033"/>
+          <p:cNvPr id="5" name="內容版面配置區 4"/>
+          <p:cNvSpPr>
+            <a:spLocks noGrp="1"/>
+          </p:cNvSpPr>
+          <p:nvPr>
+            <p:ph idx="1"/>
+          </p:nvPr>
+        </p:nvSpPr>
+        <p:spPr>
+          <a:xfrm>
+            <a:off x="0" y="2084853"/>
+            <a:ext cx="12192000" cy="2404863"/>
+          </a:xfrm>
+        </p:spPr>
+        <p:txBody>
+          <a:bodyPr anchor="ctr">
+            <a:normAutofit/>
+          </a:bodyPr>
+          <a:lstStyle/>
+          <a:p>
+            <a:pPr algn="ctr">
+              <a:buNone/>
+            </a:pPr>
+            <a:r>
+              <a:rPr lang="zh-TW" altLang="en-US" sz="6400" b="1" dirty="0">
+                <a:solidFill>
+                  <a:srgbClr val="000066"/>
                 </a:solidFill>
                 <a:latin typeface="微軟正黑體" pitchFamily="34" charset="-120"/>
                 <a:ea typeface="微軟正黑體" pitchFamily="34" charset="-120"/>
               </a:rPr>
-              <a:t>遇見你</a:t>
-            </a:r>
-            <a:endParaRPr lang="zh-TW" altLang="en-US" b="1" dirty="0">
+              <a:t>當我遇見</a:t>
+            </a:r>
+            <a:r>
+              <a:rPr lang="zh-CN" altLang="en-US" sz="6400" b="1" dirty="0">
+                <a:solidFill>
+                  <a:srgbClr val="000066"/>
+                </a:solidFill>
+                <a:latin typeface="微軟正黑體" pitchFamily="34" charset="-120"/>
+                <a:ea typeface="微軟正黑體" pitchFamily="34" charset="-120"/>
+              </a:rPr>
+              <a:t>袮</a:t>
+            </a:r>
+            <a:r>
+              <a:rPr lang="en-US" altLang="zh-TW" sz="6400" b="1" dirty="0">
+                <a:solidFill>
+                  <a:srgbClr val="000066"/>
+                </a:solidFill>
+                <a:latin typeface="微軟正黑體" pitchFamily="34" charset="-120"/>
+                <a:ea typeface="微軟正黑體" pitchFamily="34" charset="-120"/>
+              </a:rPr>
+              <a:t>  </a:t>
+            </a:r>
+            <a:r>
+              <a:rPr lang="zh-TW" altLang="en-US" sz="6400" b="1" dirty="0">
+                <a:solidFill>
+                  <a:srgbClr val="000066"/>
+                </a:solidFill>
+                <a:latin typeface="微軟正黑體" pitchFamily="34" charset="-120"/>
+                <a:ea typeface="微軟正黑體" pitchFamily="34" charset="-120"/>
+              </a:rPr>
+              <a:t>使我夜間歌唱</a:t>
+            </a:r>
+            <a:endParaRPr lang="en-US" altLang="zh-TW" sz="6400" b="1" dirty="0">
               <a:solidFill>
-                <a:srgbClr val="660033"/>
+                <a:srgbClr val="000066"/>
               </a:solidFill>
               <a:latin typeface="微軟正黑體" pitchFamily="34" charset="-120"/>
               <a:ea typeface="微軟正黑體" pitchFamily="34" charset="-120"/>
             </a:endParaRPr>
           </a:p>
-        </p:txBody>
-      </p:sp>
-      <p:sp>
-        <p:nvSpPr>
-          <p:cNvPr id="5" name="內容版面配置區 4"/>
-          <p:cNvSpPr>
-            <a:spLocks noGrp="1"/>
-          </p:cNvSpPr>
-          <p:nvPr>
-            <p:ph idx="1"/>
-          </p:nvPr>
-        </p:nvSpPr>
-        <p:spPr>
-          <a:xfrm>
-            <a:off x="0" y="1600200"/>
-            <a:ext cx="9144000" cy="4525963"/>
-          </a:xfrm>
-        </p:spPr>
-        <p:txBody>
-          <a:bodyPr>
-            <a:noAutofit/>
-          </a:bodyPr>
-          <a:lstStyle/>
           <a:p>
             <a:pPr algn="ctr">
               <a:buNone/>
             </a:pPr>
             <a:r>
-              <a:rPr lang="zh-TW" altLang="en-US" sz="5400" b="1" dirty="0" smtClean="0">
-                <a:solidFill>
-                  <a:srgbClr val="660033"/>
+              <a:rPr lang="zh-TW" altLang="en-US" sz="6400" b="1" dirty="0">
+                <a:solidFill>
+                  <a:srgbClr val="000066"/>
                 </a:solidFill>
                 <a:latin typeface="微軟正黑體" pitchFamily="34" charset="-120"/>
                 <a:ea typeface="微軟正黑體" pitchFamily="34" charset="-120"/>
               </a:rPr>
-              <a:t>你是我至寶 我最深的</a:t>
-            </a:r>
-            <a:r>
-              <a:rPr lang="zh-TW" altLang="en-US" sz="5400" b="1" dirty="0" smtClean="0">
-                <a:solidFill>
-                  <a:srgbClr val="660033"/>
+              <a:t>超越一切環境  看見</a:t>
+            </a:r>
+            <a:r>
+              <a:rPr lang="zh-CN" altLang="en-US" sz="6400" b="1" dirty="0">
+                <a:solidFill>
+                  <a:srgbClr val="000066"/>
                 </a:solidFill>
                 <a:latin typeface="微軟正黑體" pitchFamily="34" charset="-120"/>
                 <a:ea typeface="微軟正黑體" pitchFamily="34" charset="-120"/>
               </a:rPr>
-              <a:t>喜悅</a:t>
-            </a:r>
-            <a:endParaRPr lang="en-US" altLang="zh-TW" sz="5400" b="1" dirty="0" smtClean="0">
+              <a:t>袮</a:t>
+            </a:r>
+            <a:r>
+              <a:rPr lang="zh-TW" altLang="en-US" sz="6400" b="1" dirty="0">
+                <a:solidFill>
+                  <a:srgbClr val="000066"/>
+                </a:solidFill>
+                <a:latin typeface="微軟正黑體" pitchFamily="34" charset="-120"/>
+                <a:ea typeface="微軟正黑體" pitchFamily="34" charset="-120"/>
+              </a:rPr>
+              <a:t>的同在</a:t>
+            </a:r>
+            <a:endParaRPr lang="en-US" altLang="zh-TW" sz="6400" b="1" dirty="0">
               <a:solidFill>
-                <a:srgbClr val="660033"/>
+                <a:srgbClr val="000066"/>
               </a:solidFill>
               <a:latin typeface="微軟正黑體" pitchFamily="34" charset="-120"/>
               <a:ea typeface="微軟正黑體" pitchFamily="34" charset="-120"/>
             </a:endParaRPr>
           </a:p>
-          <a:p>
-            <a:pPr algn="ctr">
-              <a:buNone/>
-            </a:pPr>
-            <a:r>
-              <a:rPr lang="zh-TW" altLang="en-US" sz="5400" b="1" dirty="0" smtClean="0">
-                <a:solidFill>
-                  <a:srgbClr val="660033"/>
-                </a:solidFill>
-                <a:latin typeface="微軟正黑體" pitchFamily="34" charset="-120"/>
-                <a:ea typeface="微軟正黑體" pitchFamily="34" charset="-120"/>
-              </a:rPr>
-              <a:t>全</a:t>
-            </a:r>
-            <a:r>
-              <a:rPr lang="zh-TW" altLang="en-US" sz="5400" b="1" dirty="0" smtClean="0">
-                <a:solidFill>
-                  <a:srgbClr val="660033"/>
-                </a:solidFill>
-                <a:latin typeface="微軟正黑體" pitchFamily="34" charset="-120"/>
-                <a:ea typeface="微軟正黑體" pitchFamily="34" charset="-120"/>
-              </a:rPr>
-              <a:t>心仰望倚靠 我便不致</a:t>
-            </a:r>
-            <a:r>
-              <a:rPr lang="zh-TW" altLang="en-US" sz="5400" b="1" dirty="0" smtClean="0">
-                <a:solidFill>
-                  <a:srgbClr val="660033"/>
-                </a:solidFill>
-                <a:latin typeface="微軟正黑體" pitchFamily="34" charset="-120"/>
-                <a:ea typeface="微軟正黑體" pitchFamily="34" charset="-120"/>
-              </a:rPr>
-              <a:t>動搖</a:t>
-            </a:r>
-            <a:endParaRPr lang="en-US" altLang="zh-TW" sz="5400" b="1" dirty="0" smtClean="0">
-              <a:solidFill>
-                <a:srgbClr val="660033"/>
-              </a:solidFill>
-              <a:latin typeface="微軟正黑體" pitchFamily="34" charset="-120"/>
-              <a:ea typeface="微軟正黑體" pitchFamily="34" charset="-120"/>
-            </a:endParaRPr>
-          </a:p>
-          <a:p>
-            <a:pPr algn="ctr">
-              <a:buNone/>
-            </a:pPr>
-            <a:r>
-              <a:rPr lang="zh-TW" altLang="en-US" sz="5400" b="1" dirty="0" smtClean="0">
-                <a:solidFill>
-                  <a:srgbClr val="660033"/>
-                </a:solidFill>
-                <a:latin typeface="微軟正黑體" pitchFamily="34" charset="-120"/>
-                <a:ea typeface="微軟正黑體" pitchFamily="34" charset="-120"/>
-              </a:rPr>
-              <a:t>你</a:t>
-            </a:r>
-            <a:r>
-              <a:rPr lang="zh-TW" altLang="en-US" sz="5400" b="1" dirty="0" smtClean="0">
-                <a:solidFill>
-                  <a:srgbClr val="660033"/>
-                </a:solidFill>
-                <a:latin typeface="微軟正黑體" pitchFamily="34" charset="-120"/>
-                <a:ea typeface="微軟正黑體" pitchFamily="34" charset="-120"/>
-              </a:rPr>
-              <a:t>與我同行 你愛我</a:t>
-            </a:r>
-            <a:r>
-              <a:rPr lang="zh-TW" altLang="en-US" sz="5400" b="1" dirty="0" smtClean="0">
-                <a:solidFill>
-                  <a:srgbClr val="660033"/>
-                </a:solidFill>
-                <a:latin typeface="微軟正黑體" pitchFamily="34" charset="-120"/>
-                <a:ea typeface="微軟正黑體" pitchFamily="34" charset="-120"/>
-              </a:rPr>
-              <a:t>到底</a:t>
-            </a:r>
-            <a:endParaRPr lang="en-US" altLang="zh-TW" sz="5400" b="1" dirty="0" smtClean="0">
-              <a:solidFill>
-                <a:srgbClr val="660033"/>
-              </a:solidFill>
-              <a:latin typeface="微軟正黑體" pitchFamily="34" charset="-120"/>
-              <a:ea typeface="微軟正黑體" pitchFamily="34" charset="-120"/>
-            </a:endParaRPr>
-          </a:p>
-          <a:p>
-            <a:pPr algn="ctr">
-              <a:buNone/>
-            </a:pPr>
-            <a:r>
-              <a:rPr lang="zh-TW" altLang="en-US" sz="5400" b="1" dirty="0" smtClean="0">
-                <a:solidFill>
-                  <a:srgbClr val="660033"/>
-                </a:solidFill>
-                <a:latin typeface="微軟正黑體" pitchFamily="34" charset="-120"/>
-                <a:ea typeface="微軟正黑體" pitchFamily="34" charset="-120"/>
-              </a:rPr>
-              <a:t>這</a:t>
-            </a:r>
-            <a:r>
-              <a:rPr lang="zh-TW" altLang="en-US" sz="5400" b="1" dirty="0" smtClean="0">
-                <a:solidFill>
-                  <a:srgbClr val="660033"/>
-                </a:solidFill>
-                <a:latin typeface="微軟正黑體" pitchFamily="34" charset="-120"/>
-                <a:ea typeface="微軟正黑體" pitchFamily="34" charset="-120"/>
-              </a:rPr>
-              <a:t>一生有你真好</a:t>
-            </a:r>
-            <a:endParaRPr lang="zh-TW" altLang="en-US" sz="5400" b="1" dirty="0">
-              <a:solidFill>
-                <a:srgbClr val="660033"/>
-              </a:solidFill>
-              <a:latin typeface="微軟正黑體" pitchFamily="34" charset="-120"/>
-              <a:ea typeface="微軟正黑體" pitchFamily="34" charset="-120"/>
-            </a:endParaRPr>
-          </a:p>
         </p:txBody>
       </p:sp>
     </p:spTree>
+    <p:extLst>
+      <p:ext uri="{BB962C8B-B14F-4D97-AF65-F5344CB8AC3E}">
+        <p14:creationId xmlns:p14="http://schemas.microsoft.com/office/powerpoint/2010/main" val="1037318506"/>
+      </p:ext>
+    </p:extLst>
   </p:cSld>
   <p:clrMapOvr>
     <a:masterClrMapping/>
@@ -3574,194 +3320,77 @@
       </p:grpSpPr>
       <p:sp>
         <p:nvSpPr>
-          <p:cNvPr id="4" name="標題 3"/>
-          <p:cNvSpPr>
-            <a:spLocks noGrp="1"/>
-          </p:cNvSpPr>
-          <p:nvPr>
-            <p:ph type="title"/>
-          </p:nvPr>
-        </p:nvSpPr>
-        <p:spPr/>
-        <p:txBody>
-          <a:bodyPr/>
-          <a:lstStyle/>
-          <a:p>
-            <a:r>
-              <a:rPr lang="zh-TW" altLang="en-US" b="1" dirty="0" smtClean="0">
-                <a:solidFill>
-                  <a:srgbClr val="660033"/>
+          <p:cNvPr id="5" name="內容版面配置區 4"/>
+          <p:cNvSpPr>
+            <a:spLocks noGrp="1"/>
+          </p:cNvSpPr>
+          <p:nvPr>
+            <p:ph idx="1"/>
+          </p:nvPr>
+        </p:nvSpPr>
+        <p:spPr>
+          <a:xfrm>
+            <a:off x="0" y="2084853"/>
+            <a:ext cx="12192000" cy="2404863"/>
+          </a:xfrm>
+        </p:spPr>
+        <p:txBody>
+          <a:bodyPr anchor="ctr">
+            <a:normAutofit/>
+          </a:bodyPr>
+          <a:lstStyle/>
+          <a:p>
+            <a:pPr algn="ctr">
+              <a:buNone/>
+            </a:pPr>
+            <a:r>
+              <a:rPr lang="zh-TW" altLang="en-US" sz="6400" b="1" dirty="0">
+                <a:solidFill>
+                  <a:srgbClr val="000066"/>
                 </a:solidFill>
                 <a:latin typeface="微軟正黑體" pitchFamily="34" charset="-120"/>
                 <a:ea typeface="微軟正黑體" pitchFamily="34" charset="-120"/>
               </a:rPr>
-              <a:t>遇見你</a:t>
-            </a:r>
-            <a:endParaRPr lang="zh-TW" altLang="en-US" b="1" dirty="0">
+              <a:t>我的心歡喜  我的靈快樂</a:t>
+            </a:r>
+            <a:endParaRPr lang="en-US" altLang="zh-TW" sz="6400" b="1" dirty="0">
               <a:solidFill>
-                <a:srgbClr val="660033"/>
+                <a:srgbClr val="000066"/>
               </a:solidFill>
               <a:latin typeface="微軟正黑體" pitchFamily="34" charset="-120"/>
               <a:ea typeface="微軟正黑體" pitchFamily="34" charset="-120"/>
             </a:endParaRPr>
           </a:p>
-        </p:txBody>
-      </p:sp>
-      <p:sp>
-        <p:nvSpPr>
-          <p:cNvPr id="5" name="內容版面配置區 4"/>
-          <p:cNvSpPr>
-            <a:spLocks noGrp="1"/>
-          </p:cNvSpPr>
-          <p:nvPr>
-            <p:ph idx="1"/>
-          </p:nvPr>
-        </p:nvSpPr>
-        <p:spPr>
-          <a:xfrm>
-            <a:off x="0" y="1600200"/>
-            <a:ext cx="9144000" cy="4525963"/>
-          </a:xfrm>
-        </p:spPr>
-        <p:txBody>
-          <a:bodyPr>
-            <a:noAutofit/>
-          </a:bodyPr>
-          <a:lstStyle/>
           <a:p>
             <a:pPr algn="ctr">
               <a:buNone/>
             </a:pPr>
             <a:r>
-              <a:rPr lang="zh-TW" altLang="en-US" sz="5400" b="1" dirty="0" smtClean="0">
-                <a:solidFill>
-                  <a:srgbClr val="660033"/>
+              <a:rPr lang="zh-TW" altLang="en-US" sz="6400" b="1" dirty="0">
+                <a:solidFill>
+                  <a:srgbClr val="000066"/>
                 </a:solidFill>
                 <a:latin typeface="微軟正黑體" pitchFamily="34" charset="-120"/>
                 <a:ea typeface="微軟正黑體" pitchFamily="34" charset="-120"/>
               </a:rPr>
-              <a:t>在你面前有滿足的</a:t>
-            </a:r>
-            <a:r>
-              <a:rPr lang="zh-TW" altLang="en-US" sz="5400" b="1" dirty="0" smtClean="0">
-                <a:solidFill>
-                  <a:srgbClr val="660033"/>
-                </a:solidFill>
-                <a:latin typeface="微軟正黑體" pitchFamily="34" charset="-120"/>
-                <a:ea typeface="微軟正黑體" pitchFamily="34" charset="-120"/>
-              </a:rPr>
-              <a:t>喜樂</a:t>
-            </a:r>
-            <a:endParaRPr lang="en-US" altLang="zh-TW" sz="5400" b="1" dirty="0" smtClean="0">
+              <a:t>我全人安然居住</a:t>
+            </a:r>
+            <a:endParaRPr lang="zh-TW" altLang="en-US" sz="6400" b="1" dirty="0">
               <a:solidFill>
-                <a:srgbClr val="660033"/>
+                <a:srgbClr val="000066"/>
               </a:solidFill>
               <a:latin typeface="微軟正黑體" pitchFamily="34" charset="-120"/>
               <a:ea typeface="微軟正黑體" pitchFamily="34" charset="-120"/>
             </a:endParaRPr>
           </a:p>
-          <a:p>
-            <a:pPr algn="ctr">
-              <a:buNone/>
-            </a:pPr>
-            <a:r>
-              <a:rPr lang="zh-TW" altLang="en-US" sz="5400" b="1" dirty="0" smtClean="0">
-                <a:solidFill>
-                  <a:srgbClr val="660033"/>
-                </a:solidFill>
-                <a:latin typeface="微軟正黑體" pitchFamily="34" charset="-120"/>
-                <a:ea typeface="微軟正黑體" pitchFamily="34" charset="-120"/>
-              </a:rPr>
-              <a:t>在</a:t>
-            </a:r>
-            <a:r>
-              <a:rPr lang="zh-TW" altLang="en-US" sz="5400" b="1" dirty="0" smtClean="0">
-                <a:solidFill>
-                  <a:srgbClr val="660033"/>
-                </a:solidFill>
-                <a:latin typeface="微軟正黑體" pitchFamily="34" charset="-120"/>
-                <a:ea typeface="微軟正黑體" pitchFamily="34" charset="-120"/>
-              </a:rPr>
-              <a:t>你右手中有永遠的</a:t>
-            </a:r>
-            <a:r>
-              <a:rPr lang="zh-TW" altLang="en-US" sz="5400" b="1" dirty="0" smtClean="0">
-                <a:solidFill>
-                  <a:srgbClr val="660033"/>
-                </a:solidFill>
-                <a:latin typeface="微軟正黑體" pitchFamily="34" charset="-120"/>
-                <a:ea typeface="微軟正黑體" pitchFamily="34" charset="-120"/>
-              </a:rPr>
-              <a:t>福樂</a:t>
-            </a:r>
-            <a:endParaRPr lang="en-US" altLang="zh-TW" sz="5400" b="1" dirty="0" smtClean="0">
-              <a:solidFill>
-                <a:srgbClr val="660033"/>
-              </a:solidFill>
-              <a:latin typeface="微軟正黑體" pitchFamily="34" charset="-120"/>
-              <a:ea typeface="微軟正黑體" pitchFamily="34" charset="-120"/>
-            </a:endParaRPr>
-          </a:p>
-          <a:p>
-            <a:pPr algn="ctr">
-              <a:buNone/>
-            </a:pPr>
-            <a:r>
-              <a:rPr lang="zh-TW" altLang="en-US" sz="5400" b="1" dirty="0" smtClean="0">
-                <a:solidFill>
-                  <a:srgbClr val="660033"/>
-                </a:solidFill>
-                <a:latin typeface="微軟正黑體" pitchFamily="34" charset="-120"/>
-                <a:ea typeface="微軟正黑體" pitchFamily="34" charset="-120"/>
-              </a:rPr>
-              <a:t>量</a:t>
-            </a:r>
-            <a:r>
-              <a:rPr lang="zh-TW" altLang="en-US" sz="5400" b="1" dirty="0" smtClean="0">
-                <a:solidFill>
-                  <a:srgbClr val="660033"/>
-                </a:solidFill>
-                <a:latin typeface="微軟正黑體" pitchFamily="34" charset="-120"/>
-                <a:ea typeface="微軟正黑體" pitchFamily="34" charset="-120"/>
-              </a:rPr>
-              <a:t>給我的地界 坐落佳美之處 </a:t>
-            </a:r>
-            <a:endParaRPr lang="en-US" altLang="zh-TW" sz="5400" b="1" dirty="0" smtClean="0">
-              <a:solidFill>
-                <a:srgbClr val="660033"/>
-              </a:solidFill>
-              <a:latin typeface="微軟正黑體" pitchFamily="34" charset="-120"/>
-              <a:ea typeface="微軟正黑體" pitchFamily="34" charset="-120"/>
-            </a:endParaRPr>
-          </a:p>
-          <a:p>
-            <a:pPr algn="ctr">
-              <a:buNone/>
-            </a:pPr>
-            <a:r>
-              <a:rPr lang="zh-TW" altLang="en-US" sz="5400" b="1" dirty="0" smtClean="0">
-                <a:solidFill>
-                  <a:srgbClr val="660033"/>
-                </a:solidFill>
-                <a:latin typeface="微軟正黑體" pitchFamily="34" charset="-120"/>
-                <a:ea typeface="微軟正黑體" pitchFamily="34" charset="-120"/>
-              </a:rPr>
-              <a:t>我</a:t>
-            </a:r>
-            <a:r>
-              <a:rPr lang="zh-TW" altLang="en-US" sz="5400" b="1" dirty="0" smtClean="0">
-                <a:solidFill>
-                  <a:srgbClr val="660033"/>
-                </a:solidFill>
-                <a:latin typeface="微軟正黑體" pitchFamily="34" charset="-120"/>
-                <a:ea typeface="微軟正黑體" pitchFamily="34" charset="-120"/>
-              </a:rPr>
-              <a:t>的產業實在美好</a:t>
-            </a:r>
-          </a:p>
         </p:txBody>
       </p:sp>
     </p:spTree>
+    <p:extLst>
+      <p:ext uri="{BB962C8B-B14F-4D97-AF65-F5344CB8AC3E}">
+        <p14:creationId xmlns:p14="http://schemas.microsoft.com/office/powerpoint/2010/main" val="235650098"/>
+      </p:ext>
+    </p:extLst>
   </p:cSld>
   <p:clrMapOvr>
     <a:masterClrMapping/>
@@ -3788,100 +3417,287 @@
       </p:grpSpPr>
       <p:sp>
         <p:nvSpPr>
-          <p:cNvPr id="4" name="標題 3"/>
-          <p:cNvSpPr>
-            <a:spLocks noGrp="1"/>
-          </p:cNvSpPr>
-          <p:nvPr>
-            <p:ph type="title"/>
-          </p:nvPr>
-        </p:nvSpPr>
-        <p:spPr/>
-        <p:txBody>
-          <a:bodyPr/>
-          <a:lstStyle/>
-          <a:p>
-            <a:r>
-              <a:rPr lang="zh-TW" altLang="en-US" b="1" dirty="0" smtClean="0">
-                <a:solidFill>
-                  <a:srgbClr val="660033"/>
+          <p:cNvPr id="5" name="內容版面配置區 4"/>
+          <p:cNvSpPr>
+            <a:spLocks noGrp="1"/>
+          </p:cNvSpPr>
+          <p:nvPr>
+            <p:ph idx="1"/>
+          </p:nvPr>
+        </p:nvSpPr>
+        <p:spPr>
+          <a:xfrm>
+            <a:off x="0" y="2084853"/>
+            <a:ext cx="12192000" cy="2404863"/>
+          </a:xfrm>
+        </p:spPr>
+        <p:txBody>
+          <a:bodyPr anchor="ctr">
+            <a:normAutofit/>
+          </a:bodyPr>
+          <a:lstStyle/>
+          <a:p>
+            <a:pPr algn="ctr">
+              <a:buNone/>
+            </a:pPr>
+            <a:r>
+              <a:rPr lang="zh-CN" altLang="en-US" sz="6400" b="1" dirty="0">
+                <a:solidFill>
+                  <a:srgbClr val="000066"/>
                 </a:solidFill>
                 <a:latin typeface="微軟正黑體" pitchFamily="34" charset="-120"/>
                 <a:ea typeface="微軟正黑體" pitchFamily="34" charset="-120"/>
               </a:rPr>
-              <a:t>遇見你</a:t>
-            </a:r>
-            <a:endParaRPr lang="zh-TW" altLang="en-US" b="1" dirty="0">
+              <a:t>袮</a:t>
+            </a:r>
+            <a:r>
+              <a:rPr lang="zh-TW" altLang="en-US" sz="6400" b="1" dirty="0">
+                <a:solidFill>
+                  <a:srgbClr val="000066"/>
+                </a:solidFill>
+                <a:latin typeface="微軟正黑體" pitchFamily="34" charset="-120"/>
+                <a:ea typeface="微軟正黑體" pitchFamily="34" charset="-120"/>
+              </a:rPr>
+              <a:t>是我至寶  我最深的喜悅</a:t>
+            </a:r>
+            <a:endParaRPr lang="en-US" altLang="zh-TW" sz="6400" b="1" dirty="0">
               <a:solidFill>
-                <a:srgbClr val="660033"/>
+                <a:srgbClr val="000066"/>
               </a:solidFill>
               <a:latin typeface="微軟正黑體" pitchFamily="34" charset="-120"/>
               <a:ea typeface="微軟正黑體" pitchFamily="34" charset="-120"/>
             </a:endParaRPr>
           </a:p>
-        </p:txBody>
-      </p:sp>
-      <p:sp>
-        <p:nvSpPr>
-          <p:cNvPr id="5" name="內容版面配置區 4"/>
-          <p:cNvSpPr>
-            <a:spLocks noGrp="1"/>
-          </p:cNvSpPr>
-          <p:nvPr>
-            <p:ph idx="1"/>
-          </p:nvPr>
-        </p:nvSpPr>
-        <p:spPr>
-          <a:xfrm>
-            <a:off x="0" y="1600200"/>
-            <a:ext cx="9144000" cy="4525963"/>
-          </a:xfrm>
-        </p:spPr>
-        <p:txBody>
-          <a:bodyPr>
-            <a:noAutofit/>
-          </a:bodyPr>
-          <a:lstStyle/>
           <a:p>
             <a:pPr algn="ctr">
               <a:buNone/>
             </a:pPr>
             <a:r>
-              <a:rPr lang="zh-TW" altLang="en-US" sz="5400" b="1" dirty="0" smtClean="0">
-                <a:solidFill>
-                  <a:srgbClr val="660033"/>
+              <a:rPr lang="zh-TW" altLang="en-US" sz="6400" b="1" dirty="0">
+                <a:solidFill>
+                  <a:srgbClr val="000066"/>
                 </a:solidFill>
                 <a:latin typeface="微軟正黑體" pitchFamily="34" charset="-120"/>
                 <a:ea typeface="微軟正黑體" pitchFamily="34" charset="-120"/>
               </a:rPr>
-              <a:t>在你面前有滿足的</a:t>
-            </a:r>
-            <a:r>
-              <a:rPr lang="zh-TW" altLang="en-US" sz="5400" b="1" dirty="0" smtClean="0">
-                <a:solidFill>
-                  <a:srgbClr val="660033"/>
-                </a:solidFill>
-                <a:latin typeface="微軟正黑體" pitchFamily="34" charset="-120"/>
-                <a:ea typeface="微軟正黑體" pitchFamily="34" charset="-120"/>
-              </a:rPr>
-              <a:t>喜樂</a:t>
-            </a:r>
-            <a:endParaRPr lang="en-US" altLang="zh-TW" sz="5400" b="1" dirty="0" smtClean="0">
+              <a:t>全心仰望倚靠  我便不致動搖</a:t>
+            </a:r>
+            <a:endParaRPr lang="en-US" altLang="zh-TW" sz="6400" b="1" dirty="0">
               <a:solidFill>
-                <a:srgbClr val="660033"/>
+                <a:srgbClr val="000066"/>
               </a:solidFill>
               <a:latin typeface="微軟正黑體" pitchFamily="34" charset="-120"/>
               <a:ea typeface="微軟正黑體" pitchFamily="34" charset="-120"/>
             </a:endParaRPr>
           </a:p>
+        </p:txBody>
+      </p:sp>
+    </p:spTree>
+    <p:extLst>
+      <p:ext uri="{BB962C8B-B14F-4D97-AF65-F5344CB8AC3E}">
+        <p14:creationId xmlns:p14="http://schemas.microsoft.com/office/powerpoint/2010/main" val="2842043229"/>
+      </p:ext>
+    </p:extLst>
+  </p:cSld>
+  <p:clrMapOvr>
+    <a:masterClrMapping/>
+  </p:clrMapOvr>
+</p:sld>
+</file>
+
+<file path=ppt/slides/slide5.xml><?xml version="1.0" encoding="utf-8"?>
+<p:sld xmlns:a="http://schemas.openxmlformats.org/drawingml/2006/main" xmlns:r="http://schemas.openxmlformats.org/officeDocument/2006/relationships" xmlns:p="http://schemas.openxmlformats.org/presentationml/2006/main">
+  <p:cSld>
+    <p:spTree>
+      <p:nvGrpSpPr>
+        <p:cNvPr id="1" name=""/>
+        <p:cNvGrpSpPr/>
+        <p:nvPr/>
+      </p:nvGrpSpPr>
+      <p:grpSpPr>
+        <a:xfrm>
+          <a:off x="0" y="0"/>
+          <a:ext cx="0" cy="0"/>
+          <a:chOff x="0" y="0"/>
+          <a:chExt cx="0" cy="0"/>
+        </a:xfrm>
+      </p:grpSpPr>
+      <p:sp>
+        <p:nvSpPr>
+          <p:cNvPr id="5" name="內容版面配置區 4"/>
+          <p:cNvSpPr>
+            <a:spLocks noGrp="1"/>
+          </p:cNvSpPr>
+          <p:nvPr>
+            <p:ph idx="1"/>
+          </p:nvPr>
+        </p:nvSpPr>
+        <p:spPr>
+          <a:xfrm>
+            <a:off x="0" y="2084853"/>
+            <a:ext cx="12192000" cy="2404863"/>
+          </a:xfrm>
+        </p:spPr>
+        <p:txBody>
+          <a:bodyPr anchor="ctr">
+            <a:normAutofit/>
+          </a:bodyPr>
+          <a:lstStyle/>
           <a:p>
             <a:pPr algn="ctr">
               <a:buNone/>
             </a:pPr>
             <a:r>
-              <a:rPr lang="zh-TW" altLang="en-US" sz="5400" b="1" dirty="0" smtClean="0">
-                <a:solidFill>
-                  <a:srgbClr val="660033"/>
+              <a:rPr lang="zh-CN" altLang="en-US" sz="6400" b="1" dirty="0">
+                <a:solidFill>
+                  <a:srgbClr val="000066"/>
+                </a:solidFill>
+                <a:latin typeface="微軟正黑體" pitchFamily="34" charset="-120"/>
+                <a:ea typeface="微軟正黑體" pitchFamily="34" charset="-120"/>
+              </a:rPr>
+              <a:t>袮</a:t>
+            </a:r>
+            <a:r>
+              <a:rPr lang="zh-TW" altLang="en-US" sz="6400" b="1" dirty="0">
+                <a:solidFill>
+                  <a:srgbClr val="000066"/>
+                </a:solidFill>
+                <a:latin typeface="微軟正黑體" pitchFamily="34" charset="-120"/>
+                <a:ea typeface="微軟正黑體" pitchFamily="34" charset="-120"/>
+              </a:rPr>
+              <a:t>與我同行  </a:t>
+            </a:r>
+            <a:r>
+              <a:rPr lang="zh-CN" altLang="en-US" sz="6400" b="1" dirty="0">
+                <a:solidFill>
+                  <a:srgbClr val="000066"/>
+                </a:solidFill>
+                <a:latin typeface="微軟正黑體" pitchFamily="34" charset="-120"/>
+                <a:ea typeface="微軟正黑體" pitchFamily="34" charset="-120"/>
+              </a:rPr>
+              <a:t>袮</a:t>
+            </a:r>
+            <a:r>
+              <a:rPr lang="zh-TW" altLang="en-US" sz="6400" b="1" dirty="0">
+                <a:solidFill>
+                  <a:srgbClr val="000066"/>
+                </a:solidFill>
+                <a:latin typeface="微軟正黑體" pitchFamily="34" charset="-120"/>
+                <a:ea typeface="微軟正黑體" pitchFamily="34" charset="-120"/>
+              </a:rPr>
+              <a:t>愛我到底</a:t>
+            </a:r>
+            <a:endParaRPr lang="en-US" altLang="zh-TW" sz="6400" b="1" dirty="0">
+              <a:solidFill>
+                <a:srgbClr val="000066"/>
+              </a:solidFill>
+              <a:latin typeface="微軟正黑體" pitchFamily="34" charset="-120"/>
+              <a:ea typeface="微軟正黑體" pitchFamily="34" charset="-120"/>
+            </a:endParaRPr>
+          </a:p>
+          <a:p>
+            <a:pPr algn="ctr">
+              <a:buNone/>
+            </a:pPr>
+            <a:r>
+              <a:rPr lang="zh-TW" altLang="en-US" sz="6400" b="1" dirty="0">
+                <a:solidFill>
+                  <a:srgbClr val="000066"/>
+                </a:solidFill>
+                <a:latin typeface="微軟正黑體" pitchFamily="34" charset="-120"/>
+                <a:ea typeface="微軟正黑體" pitchFamily="34" charset="-120"/>
+              </a:rPr>
+              <a:t>這一生有</a:t>
+            </a:r>
+            <a:r>
+              <a:rPr lang="zh-CN" altLang="en-US" sz="6400" b="1" dirty="0">
+                <a:solidFill>
+                  <a:srgbClr val="000066"/>
+                </a:solidFill>
+                <a:latin typeface="微軟正黑體" pitchFamily="34" charset="-120"/>
+                <a:ea typeface="微軟正黑體" pitchFamily="34" charset="-120"/>
+              </a:rPr>
+              <a:t>袮</a:t>
+            </a:r>
+            <a:r>
+              <a:rPr lang="zh-TW" altLang="en-US" sz="6400" b="1" dirty="0">
+                <a:solidFill>
+                  <a:srgbClr val="000066"/>
+                </a:solidFill>
+                <a:latin typeface="微軟正黑體" pitchFamily="34" charset="-120"/>
+                <a:ea typeface="微軟正黑體" pitchFamily="34" charset="-120"/>
+              </a:rPr>
+              <a:t>真好</a:t>
+            </a:r>
+            <a:endParaRPr lang="zh-TW" altLang="en-US" sz="6400" b="1" dirty="0">
+              <a:solidFill>
+                <a:srgbClr val="000066"/>
+              </a:solidFill>
+              <a:latin typeface="微軟正黑體" pitchFamily="34" charset="-120"/>
+              <a:ea typeface="微軟正黑體" pitchFamily="34" charset="-120"/>
+            </a:endParaRPr>
+          </a:p>
+        </p:txBody>
+      </p:sp>
+    </p:spTree>
+    <p:extLst>
+      <p:ext uri="{BB962C8B-B14F-4D97-AF65-F5344CB8AC3E}">
+        <p14:creationId xmlns:p14="http://schemas.microsoft.com/office/powerpoint/2010/main" val="2529367873"/>
+      </p:ext>
+    </p:extLst>
+  </p:cSld>
+  <p:clrMapOvr>
+    <a:masterClrMapping/>
+  </p:clrMapOvr>
+</p:sld>
+</file>
+
+<file path=ppt/slides/slide6.xml><?xml version="1.0" encoding="utf-8"?>
+<p:sld xmlns:a="http://schemas.openxmlformats.org/drawingml/2006/main" xmlns:r="http://schemas.openxmlformats.org/officeDocument/2006/relationships" xmlns:p="http://schemas.openxmlformats.org/presentationml/2006/main">
+  <p:cSld>
+    <p:spTree>
+      <p:nvGrpSpPr>
+        <p:cNvPr id="1" name=""/>
+        <p:cNvGrpSpPr/>
+        <p:nvPr/>
+      </p:nvGrpSpPr>
+      <p:grpSpPr>
+        <a:xfrm>
+          <a:off x="0" y="0"/>
+          <a:ext cx="0" cy="0"/>
+          <a:chOff x="0" y="0"/>
+          <a:chExt cx="0" cy="0"/>
+        </a:xfrm>
+      </p:grpSpPr>
+      <p:sp>
+        <p:nvSpPr>
+          <p:cNvPr id="5" name="內容版面配置區 4"/>
+          <p:cNvSpPr>
+            <a:spLocks noGrp="1"/>
+          </p:cNvSpPr>
+          <p:nvPr>
+            <p:ph idx="1"/>
+          </p:nvPr>
+        </p:nvSpPr>
+        <p:spPr>
+          <a:xfrm>
+            <a:off x="0" y="2084853"/>
+            <a:ext cx="12192000" cy="2404863"/>
+          </a:xfrm>
+        </p:spPr>
+        <p:txBody>
+          <a:bodyPr anchor="ctr">
+            <a:normAutofit/>
+          </a:bodyPr>
+          <a:lstStyle/>
+          <a:p>
+            <a:pPr algn="ctr">
+              <a:buNone/>
+            </a:pPr>
+            <a:r>
+              <a:rPr lang="zh-TW" altLang="en-US" sz="6400" b="1" dirty="0">
+                <a:solidFill>
+                  <a:srgbClr val="000066"/>
                 </a:solidFill>
                 <a:latin typeface="微軟正黑體" pitchFamily="34" charset="-120"/>
                 <a:ea typeface="微軟正黑體" pitchFamily="34" charset="-120"/>
@@ -3889,28 +3705,28 @@
               <a:t>在</a:t>
             </a:r>
             <a:r>
-              <a:rPr lang="zh-TW" altLang="en-US" sz="5400" b="1" dirty="0" smtClean="0">
-                <a:solidFill>
-                  <a:srgbClr val="660033"/>
+              <a:rPr lang="zh-CN" altLang="en-US" sz="6400" b="1" dirty="0">
+                <a:solidFill>
+                  <a:srgbClr val="000066"/>
                 </a:solidFill>
                 <a:latin typeface="微軟正黑體" pitchFamily="34" charset="-120"/>
                 <a:ea typeface="微軟正黑體" pitchFamily="34" charset="-120"/>
               </a:rPr>
-              <a:t>你右手中有永遠的</a:t>
-            </a:r>
-            <a:r>
-              <a:rPr lang="zh-TW" altLang="en-US" sz="5400" b="1" dirty="0" smtClean="0">
-                <a:solidFill>
-                  <a:srgbClr val="660033"/>
+              <a:t>袮</a:t>
+            </a:r>
+            <a:r>
+              <a:rPr lang="zh-TW" altLang="en-US" sz="6400" b="1" dirty="0">
+                <a:solidFill>
+                  <a:srgbClr val="000066"/>
                 </a:solidFill>
                 <a:latin typeface="微軟正黑體" pitchFamily="34" charset="-120"/>
                 <a:ea typeface="微軟正黑體" pitchFamily="34" charset="-120"/>
               </a:rPr>
-              <a:t>福樂</a:t>
-            </a:r>
-            <a:endParaRPr lang="en-US" altLang="zh-TW" sz="5400" b="1" dirty="0" smtClean="0">
+              <a:t>面前有滿足的喜樂</a:t>
+            </a:r>
+            <a:endParaRPr lang="en-US" altLang="zh-TW" sz="6400" b="1" dirty="0">
               <a:solidFill>
-                <a:srgbClr val="660033"/>
+                <a:srgbClr val="000066"/>
               </a:solidFill>
               <a:latin typeface="微軟正黑體" pitchFamily="34" charset="-120"/>
               <a:ea typeface="微軟正黑體" pitchFamily="34" charset="-120"/>
@@ -3921,41 +3737,383 @@
               <a:buNone/>
             </a:pPr>
             <a:r>
-              <a:rPr lang="zh-TW" altLang="en-US" sz="5400" b="1" dirty="0" smtClean="0">
-                <a:solidFill>
-                  <a:srgbClr val="660033"/>
+              <a:rPr lang="zh-TW" altLang="en-US" sz="6400" b="1" dirty="0">
+                <a:solidFill>
+                  <a:srgbClr val="000066"/>
                 </a:solidFill>
                 <a:latin typeface="微軟正黑體" pitchFamily="34" charset="-120"/>
                 <a:ea typeface="微軟正黑體" pitchFamily="34" charset="-120"/>
               </a:rPr>
-              <a:t>你</a:t>
-            </a:r>
-            <a:r>
-              <a:rPr lang="zh-TW" altLang="en-US" sz="5400" b="1" dirty="0" smtClean="0">
-                <a:solidFill>
-                  <a:srgbClr val="660033"/>
+              <a:t>在</a:t>
+            </a:r>
+            <a:r>
+              <a:rPr lang="zh-CN" altLang="en-US" sz="6400" b="1" dirty="0">
+                <a:solidFill>
+                  <a:srgbClr val="000066"/>
                 </a:solidFill>
                 <a:latin typeface="微軟正黑體" pitchFamily="34" charset="-120"/>
                 <a:ea typeface="微軟正黑體" pitchFamily="34" charset="-120"/>
               </a:rPr>
-              <a:t>是我的主 好處不在你以外 </a:t>
-            </a:r>
-            <a:endParaRPr lang="en-US" altLang="zh-TW" sz="5400" b="1" dirty="0" smtClean="0">
+              <a:t>袮</a:t>
+            </a:r>
+            <a:r>
+              <a:rPr lang="zh-TW" altLang="en-US" sz="6400" b="1" dirty="0">
+                <a:solidFill>
+                  <a:srgbClr val="000066"/>
+                </a:solidFill>
+                <a:latin typeface="微軟正黑體" pitchFamily="34" charset="-120"/>
+                <a:ea typeface="微軟正黑體" pitchFamily="34" charset="-120"/>
+              </a:rPr>
+              <a:t>右手中有永遠的福樂</a:t>
+            </a:r>
+            <a:endParaRPr lang="en-US" altLang="zh-TW" sz="6400" b="1" dirty="0">
               <a:solidFill>
-                <a:srgbClr val="660033"/>
+                <a:srgbClr val="000066"/>
               </a:solidFill>
               <a:latin typeface="微軟正黑體" pitchFamily="34" charset="-120"/>
               <a:ea typeface="微軟正黑體" pitchFamily="34" charset="-120"/>
             </a:endParaRPr>
           </a:p>
+        </p:txBody>
+      </p:sp>
+    </p:spTree>
+    <p:extLst>
+      <p:ext uri="{BB962C8B-B14F-4D97-AF65-F5344CB8AC3E}">
+        <p14:creationId xmlns:p14="http://schemas.microsoft.com/office/powerpoint/2010/main" val="1026985615"/>
+      </p:ext>
+    </p:extLst>
+  </p:cSld>
+  <p:clrMapOvr>
+    <a:masterClrMapping/>
+  </p:clrMapOvr>
+</p:sld>
+</file>
+
+<file path=ppt/slides/slide7.xml><?xml version="1.0" encoding="utf-8"?>
+<p:sld xmlns:a="http://schemas.openxmlformats.org/drawingml/2006/main" xmlns:r="http://schemas.openxmlformats.org/officeDocument/2006/relationships" xmlns:p="http://schemas.openxmlformats.org/presentationml/2006/main">
+  <p:cSld>
+    <p:spTree>
+      <p:nvGrpSpPr>
+        <p:cNvPr id="1" name=""/>
+        <p:cNvGrpSpPr/>
+        <p:nvPr/>
+      </p:nvGrpSpPr>
+      <p:grpSpPr>
+        <a:xfrm>
+          <a:off x="0" y="0"/>
+          <a:ext cx="0" cy="0"/>
+          <a:chOff x="0" y="0"/>
+          <a:chExt cx="0" cy="0"/>
+        </a:xfrm>
+      </p:grpSpPr>
+      <p:sp>
+        <p:nvSpPr>
+          <p:cNvPr id="5" name="內容版面配置區 4"/>
+          <p:cNvSpPr>
+            <a:spLocks noGrp="1"/>
+          </p:cNvSpPr>
+          <p:nvPr>
+            <p:ph idx="1"/>
+          </p:nvPr>
+        </p:nvSpPr>
+        <p:spPr>
+          <a:xfrm>
+            <a:off x="0" y="2084853"/>
+            <a:ext cx="12192000" cy="2404863"/>
+          </a:xfrm>
+        </p:spPr>
+        <p:txBody>
+          <a:bodyPr anchor="ctr">
+            <a:normAutofit/>
+          </a:bodyPr>
+          <a:lstStyle/>
           <a:p>
             <a:pPr algn="ctr">
               <a:buNone/>
             </a:pPr>
             <a:r>
-              <a:rPr lang="zh-TW" altLang="en-US" sz="5400" b="1" dirty="0" smtClean="0">
-                <a:solidFill>
-                  <a:srgbClr val="660033"/>
+              <a:rPr lang="zh-TW" altLang="en-US" sz="6400" b="1" dirty="0">
+                <a:solidFill>
+                  <a:srgbClr val="000066"/>
+                </a:solidFill>
+                <a:latin typeface="微軟正黑體" pitchFamily="34" charset="-120"/>
+                <a:ea typeface="微軟正黑體" pitchFamily="34" charset="-120"/>
+              </a:rPr>
+              <a:t>量給我的地界  坐落佳美之處 </a:t>
+            </a:r>
+            <a:endParaRPr lang="en-US" altLang="zh-TW" sz="6400" b="1" dirty="0">
+              <a:solidFill>
+                <a:srgbClr val="000066"/>
+              </a:solidFill>
+              <a:latin typeface="微軟正黑體" pitchFamily="34" charset="-120"/>
+              <a:ea typeface="微軟正黑體" pitchFamily="34" charset="-120"/>
+            </a:endParaRPr>
+          </a:p>
+          <a:p>
+            <a:pPr algn="ctr">
+              <a:buNone/>
+            </a:pPr>
+            <a:r>
+              <a:rPr lang="zh-TW" altLang="en-US" sz="6400" b="1" dirty="0">
+                <a:solidFill>
+                  <a:srgbClr val="000066"/>
+                </a:solidFill>
+                <a:latin typeface="微軟正黑體" pitchFamily="34" charset="-120"/>
+                <a:ea typeface="微軟正黑體" pitchFamily="34" charset="-120"/>
+              </a:rPr>
+              <a:t>我的產業實在美好</a:t>
+            </a:r>
+          </a:p>
+        </p:txBody>
+      </p:sp>
+    </p:spTree>
+    <p:extLst>
+      <p:ext uri="{BB962C8B-B14F-4D97-AF65-F5344CB8AC3E}">
+        <p14:creationId xmlns:p14="http://schemas.microsoft.com/office/powerpoint/2010/main" val="2785632229"/>
+      </p:ext>
+    </p:extLst>
+  </p:cSld>
+  <p:clrMapOvr>
+    <a:masterClrMapping/>
+  </p:clrMapOvr>
+</p:sld>
+</file>
+
+<file path=ppt/slides/slide8.xml><?xml version="1.0" encoding="utf-8"?>
+<p:sld xmlns:a="http://schemas.openxmlformats.org/drawingml/2006/main" xmlns:r="http://schemas.openxmlformats.org/officeDocument/2006/relationships" xmlns:p="http://schemas.openxmlformats.org/presentationml/2006/main">
+  <p:cSld>
+    <p:spTree>
+      <p:nvGrpSpPr>
+        <p:cNvPr id="1" name=""/>
+        <p:cNvGrpSpPr/>
+        <p:nvPr/>
+      </p:nvGrpSpPr>
+      <p:grpSpPr>
+        <a:xfrm>
+          <a:off x="0" y="0"/>
+          <a:ext cx="0" cy="0"/>
+          <a:chOff x="0" y="0"/>
+          <a:chExt cx="0" cy="0"/>
+        </a:xfrm>
+      </p:grpSpPr>
+      <p:sp>
+        <p:nvSpPr>
+          <p:cNvPr id="5" name="內容版面配置區 4"/>
+          <p:cNvSpPr>
+            <a:spLocks noGrp="1"/>
+          </p:cNvSpPr>
+          <p:nvPr>
+            <p:ph idx="1"/>
+          </p:nvPr>
+        </p:nvSpPr>
+        <p:spPr>
+          <a:xfrm>
+            <a:off x="0" y="2084853"/>
+            <a:ext cx="12192000" cy="2404863"/>
+          </a:xfrm>
+        </p:spPr>
+        <p:txBody>
+          <a:bodyPr anchor="ctr">
+            <a:normAutofit/>
+          </a:bodyPr>
+          <a:lstStyle/>
+          <a:p>
+            <a:pPr algn="ctr">
+              <a:buNone/>
+            </a:pPr>
+            <a:r>
+              <a:rPr lang="zh-TW" altLang="en-US" sz="6400" b="1" dirty="0">
+                <a:solidFill>
+                  <a:srgbClr val="000066"/>
+                </a:solidFill>
+                <a:latin typeface="微軟正黑體" pitchFamily="34" charset="-120"/>
+                <a:ea typeface="微軟正黑體" pitchFamily="34" charset="-120"/>
+              </a:rPr>
+              <a:t>在</a:t>
+            </a:r>
+            <a:r>
+              <a:rPr lang="zh-CN" altLang="en-US" sz="6400" b="1" dirty="0">
+                <a:solidFill>
+                  <a:srgbClr val="000066"/>
+                </a:solidFill>
+                <a:latin typeface="微軟正黑體" pitchFamily="34" charset="-120"/>
+                <a:ea typeface="微軟正黑體" pitchFamily="34" charset="-120"/>
+              </a:rPr>
+              <a:t>袮</a:t>
+            </a:r>
+            <a:r>
+              <a:rPr lang="zh-TW" altLang="en-US" sz="6400" b="1" dirty="0">
+                <a:solidFill>
+                  <a:srgbClr val="000066"/>
+                </a:solidFill>
+                <a:latin typeface="微軟正黑體" pitchFamily="34" charset="-120"/>
+                <a:ea typeface="微軟正黑體" pitchFamily="34" charset="-120"/>
+              </a:rPr>
+              <a:t>面前有滿足的喜樂</a:t>
+            </a:r>
+            <a:endParaRPr lang="en-US" altLang="zh-TW" sz="6400" b="1" dirty="0">
+              <a:solidFill>
+                <a:srgbClr val="000066"/>
+              </a:solidFill>
+              <a:latin typeface="微軟正黑體" pitchFamily="34" charset="-120"/>
+              <a:ea typeface="微軟正黑體" pitchFamily="34" charset="-120"/>
+            </a:endParaRPr>
+          </a:p>
+          <a:p>
+            <a:pPr algn="ctr">
+              <a:buNone/>
+            </a:pPr>
+            <a:r>
+              <a:rPr lang="zh-TW" altLang="en-US" sz="6400" b="1" dirty="0">
+                <a:solidFill>
+                  <a:srgbClr val="000066"/>
+                </a:solidFill>
+                <a:latin typeface="微軟正黑體" pitchFamily="34" charset="-120"/>
+                <a:ea typeface="微軟正黑體" pitchFamily="34" charset="-120"/>
+              </a:rPr>
+              <a:t>在</a:t>
+            </a:r>
+            <a:r>
+              <a:rPr lang="zh-CN" altLang="en-US" sz="6400" b="1" dirty="0">
+                <a:solidFill>
+                  <a:srgbClr val="000066"/>
+                </a:solidFill>
+                <a:latin typeface="微軟正黑體" pitchFamily="34" charset="-120"/>
+                <a:ea typeface="微軟正黑體" pitchFamily="34" charset="-120"/>
+              </a:rPr>
+              <a:t>袮</a:t>
+            </a:r>
+            <a:r>
+              <a:rPr lang="zh-TW" altLang="en-US" sz="6400" b="1" dirty="0">
+                <a:solidFill>
+                  <a:srgbClr val="000066"/>
+                </a:solidFill>
+                <a:latin typeface="微軟正黑體" pitchFamily="34" charset="-120"/>
+                <a:ea typeface="微軟正黑體" pitchFamily="34" charset="-120"/>
+              </a:rPr>
+              <a:t>右手中有永遠的福樂</a:t>
+            </a:r>
+            <a:endParaRPr lang="en-US" altLang="zh-TW" sz="6400" b="1" dirty="0">
+              <a:solidFill>
+                <a:srgbClr val="000066"/>
+              </a:solidFill>
+              <a:latin typeface="微軟正黑體" pitchFamily="34" charset="-120"/>
+              <a:ea typeface="微軟正黑體" pitchFamily="34" charset="-120"/>
+            </a:endParaRPr>
+          </a:p>
+        </p:txBody>
+      </p:sp>
+    </p:spTree>
+    <p:extLst>
+      <p:ext uri="{BB962C8B-B14F-4D97-AF65-F5344CB8AC3E}">
+        <p14:creationId xmlns:p14="http://schemas.microsoft.com/office/powerpoint/2010/main" val="1469619297"/>
+      </p:ext>
+    </p:extLst>
+  </p:cSld>
+  <p:clrMapOvr>
+    <a:masterClrMapping/>
+  </p:clrMapOvr>
+</p:sld>
+</file>
+
+<file path=ppt/slides/slide9.xml><?xml version="1.0" encoding="utf-8"?>
+<p:sld xmlns:a="http://schemas.openxmlformats.org/drawingml/2006/main" xmlns:r="http://schemas.openxmlformats.org/officeDocument/2006/relationships" xmlns:p="http://schemas.openxmlformats.org/presentationml/2006/main">
+  <p:cSld>
+    <p:spTree>
+      <p:nvGrpSpPr>
+        <p:cNvPr id="1" name=""/>
+        <p:cNvGrpSpPr/>
+        <p:nvPr/>
+      </p:nvGrpSpPr>
+      <p:grpSpPr>
+        <a:xfrm>
+          <a:off x="0" y="0"/>
+          <a:ext cx="0" cy="0"/>
+          <a:chOff x="0" y="0"/>
+          <a:chExt cx="0" cy="0"/>
+        </a:xfrm>
+      </p:grpSpPr>
+      <p:sp>
+        <p:nvSpPr>
+          <p:cNvPr id="5" name="內容版面配置區 4"/>
+          <p:cNvSpPr>
+            <a:spLocks noGrp="1"/>
+          </p:cNvSpPr>
+          <p:nvPr>
+            <p:ph idx="1"/>
+          </p:nvPr>
+        </p:nvSpPr>
+        <p:spPr>
+          <a:xfrm>
+            <a:off x="0" y="2084853"/>
+            <a:ext cx="12192000" cy="2404863"/>
+          </a:xfrm>
+        </p:spPr>
+        <p:txBody>
+          <a:bodyPr anchor="ctr">
+            <a:normAutofit/>
+          </a:bodyPr>
+          <a:lstStyle/>
+          <a:p>
+            <a:pPr algn="ctr">
+              <a:buNone/>
+            </a:pPr>
+            <a:r>
+              <a:rPr lang="zh-CN" altLang="en-US" sz="6400" b="1" dirty="0">
+                <a:solidFill>
+                  <a:srgbClr val="000066"/>
+                </a:solidFill>
+                <a:latin typeface="微軟正黑體" pitchFamily="34" charset="-120"/>
+                <a:ea typeface="微軟正黑體" pitchFamily="34" charset="-120"/>
+              </a:rPr>
+              <a:t>袮</a:t>
+            </a:r>
+            <a:r>
+              <a:rPr lang="zh-TW" altLang="en-US" sz="6400" b="1" dirty="0">
+                <a:solidFill>
+                  <a:srgbClr val="000066"/>
+                </a:solidFill>
+                <a:latin typeface="微軟正黑體" pitchFamily="34" charset="-120"/>
+                <a:ea typeface="微軟正黑體" pitchFamily="34" charset="-120"/>
+              </a:rPr>
+              <a:t>是我的主  好處不在</a:t>
+            </a:r>
+            <a:r>
+              <a:rPr lang="zh-CN" altLang="en-US" sz="6400" b="1" dirty="0">
+                <a:solidFill>
+                  <a:srgbClr val="000066"/>
+                </a:solidFill>
+                <a:latin typeface="微軟正黑體" pitchFamily="34" charset="-120"/>
+                <a:ea typeface="微軟正黑體" pitchFamily="34" charset="-120"/>
+              </a:rPr>
+              <a:t>袮</a:t>
+            </a:r>
+            <a:r>
+              <a:rPr lang="zh-TW" altLang="en-US" sz="6400" b="1" dirty="0">
+                <a:solidFill>
+                  <a:srgbClr val="000066"/>
+                </a:solidFill>
+                <a:latin typeface="微軟正黑體" pitchFamily="34" charset="-120"/>
+                <a:ea typeface="微軟正黑體" pitchFamily="34" charset="-120"/>
+              </a:rPr>
+              <a:t>以外 </a:t>
+            </a:r>
+            <a:endParaRPr lang="en-US" altLang="zh-TW" sz="6400" b="1" dirty="0">
+              <a:solidFill>
+                <a:srgbClr val="000066"/>
+              </a:solidFill>
+              <a:latin typeface="微軟正黑體" pitchFamily="34" charset="-120"/>
+              <a:ea typeface="微軟正黑體" pitchFamily="34" charset="-120"/>
+            </a:endParaRPr>
+          </a:p>
+          <a:p>
+            <a:pPr algn="ctr">
+              <a:buNone/>
+            </a:pPr>
+            <a:r>
+              <a:rPr lang="zh-TW" altLang="en-US" sz="6400" b="1" dirty="0">
+                <a:solidFill>
+                  <a:srgbClr val="000066"/>
                 </a:solidFill>
                 <a:latin typeface="微軟正黑體" pitchFamily="34" charset="-120"/>
                 <a:ea typeface="微軟正黑體" pitchFamily="34" charset="-120"/>
@@ -3963,19 +4121,34 @@
               <a:t>遇見</a:t>
             </a:r>
             <a:r>
-              <a:rPr lang="zh-TW" altLang="en-US" sz="5400" b="1" dirty="0" smtClean="0">
-                <a:solidFill>
-                  <a:srgbClr val="660033"/>
+              <a:rPr lang="zh-CN" altLang="en-US" sz="6400" b="1" dirty="0">
+                <a:solidFill>
+                  <a:srgbClr val="000066"/>
                 </a:solidFill>
                 <a:latin typeface="微軟正黑體" pitchFamily="34" charset="-120"/>
                 <a:ea typeface="微軟正黑體" pitchFamily="34" charset="-120"/>
               </a:rPr>
-              <a:t>你 我就遇見幸福</a:t>
+              <a:t>袮  </a:t>
+            </a:r>
+            <a:r>
+              <a:rPr lang="zh-TW" altLang="en-US" sz="6400" b="1" dirty="0">
+                <a:solidFill>
+                  <a:srgbClr val="000066"/>
+                </a:solidFill>
+                <a:latin typeface="微軟正黑體" pitchFamily="34" charset="-120"/>
+                <a:ea typeface="微軟正黑體" pitchFamily="34" charset="-120"/>
+              </a:rPr>
+              <a:t>我就遇見幸福</a:t>
             </a:r>
           </a:p>
         </p:txBody>
       </p:sp>
     </p:spTree>
+    <p:extLst>
+      <p:ext uri="{BB962C8B-B14F-4D97-AF65-F5344CB8AC3E}">
+        <p14:creationId xmlns:p14="http://schemas.microsoft.com/office/powerpoint/2010/main" val="377867710"/>
+      </p:ext>
+    </p:extLst>
   </p:cSld>
   <p:clrMapOvr>
     <a:masterClrMapping/>

--- a/遇見你.pptx
+++ b/遇見你.pptx
@@ -5,15 +5,19 @@
     <p:sldMasterId id="2147483660" r:id="rId1"/>
   </p:sldMasterIdLst>
   <p:sldIdLst>
-    <p:sldId id="256" r:id="rId2"/>
-    <p:sldId id="257" r:id="rId3"/>
-    <p:sldId id="258" r:id="rId4"/>
-    <p:sldId id="259" r:id="rId5"/>
-    <p:sldId id="260" r:id="rId6"/>
-    <p:sldId id="261" r:id="rId7"/>
-    <p:sldId id="262" r:id="rId8"/>
-    <p:sldId id="263" r:id="rId9"/>
-    <p:sldId id="264" r:id="rId10"/>
+    <p:sldId id="266" r:id="rId2"/>
+    <p:sldId id="270" r:id="rId3"/>
+    <p:sldId id="271" r:id="rId4"/>
+    <p:sldId id="272" r:id="rId5"/>
+    <p:sldId id="256" r:id="rId6"/>
+    <p:sldId id="257" r:id="rId7"/>
+    <p:sldId id="258" r:id="rId8"/>
+    <p:sldId id="259" r:id="rId9"/>
+    <p:sldId id="260" r:id="rId10"/>
+    <p:sldId id="261" r:id="rId11"/>
+    <p:sldId id="262" r:id="rId12"/>
+    <p:sldId id="263" r:id="rId13"/>
+    <p:sldId id="264" r:id="rId14"/>
   </p:sldIdLst>
   <p:sldSz cx="12192000" cy="6858000"/>
   <p:notesSz cx="6858000" cy="9144000"/>
@@ -114,7 +118,7 @@
   </p:defaultTextStyle>
   <p:extLst>
     <p:ext uri="{EFAFB233-063F-42B5-8137-9DF3F51BA10A}">
-      <p15:sldGuideLst xmlns:p15="http://schemas.microsoft.com/office/powerpoint/2012/main">
+      <p15:sldGuideLst xmlns:p15="http://schemas.microsoft.com/office/powerpoint/2012/main" xmlns="">
         <p15:guide id="1" orient="horz" pos="2160" userDrawn="1">
           <p15:clr>
             <a:srgbClr val="A4A3A4"/>
@@ -312,7 +316,8 @@
           <a:p>
             <a:fld id="{9C2E27BE-7C78-453E-8D49-6C3E6F394594}" type="datetimeFigureOut">
               <a:rPr lang="zh-TW" altLang="en-US" smtClean="0"/>
-              <a:t>2020/11/28</a:t>
+              <a:pPr/>
+              <a:t>2020/12/15</a:t>
             </a:fld>
             <a:endParaRPr lang="zh-TW" altLang="en-US"/>
           </a:p>
@@ -354,6 +359,7 @@
           <a:p>
             <a:fld id="{01FBFCBF-C28A-4C2F-AC63-98C876BCDF18}" type="slidenum">
               <a:rPr lang="zh-TW" altLang="en-US" smtClean="0"/>
+              <a:pPr/>
               <a:t>‹#›</a:t>
             </a:fld>
             <a:endParaRPr lang="zh-TW" altLang="en-US"/>
@@ -477,7 +483,8 @@
           <a:p>
             <a:fld id="{9C2E27BE-7C78-453E-8D49-6C3E6F394594}" type="datetimeFigureOut">
               <a:rPr lang="zh-TW" altLang="en-US" smtClean="0"/>
-              <a:t>2020/11/28</a:t>
+              <a:pPr/>
+              <a:t>2020/12/15</a:t>
             </a:fld>
             <a:endParaRPr lang="zh-TW" altLang="en-US"/>
           </a:p>
@@ -519,6 +526,7 @@
           <a:p>
             <a:fld id="{01FBFCBF-C28A-4C2F-AC63-98C876BCDF18}" type="slidenum">
               <a:rPr lang="zh-TW" altLang="en-US" smtClean="0"/>
+              <a:pPr/>
               <a:t>‹#›</a:t>
             </a:fld>
             <a:endParaRPr lang="zh-TW" altLang="en-US"/>
@@ -652,7 +660,8 @@
           <a:p>
             <a:fld id="{9C2E27BE-7C78-453E-8D49-6C3E6F394594}" type="datetimeFigureOut">
               <a:rPr lang="zh-TW" altLang="en-US" smtClean="0"/>
-              <a:t>2020/11/28</a:t>
+              <a:pPr/>
+              <a:t>2020/12/15</a:t>
             </a:fld>
             <a:endParaRPr lang="zh-TW" altLang="en-US"/>
           </a:p>
@@ -694,6 +703,7 @@
           <a:p>
             <a:fld id="{01FBFCBF-C28A-4C2F-AC63-98C876BCDF18}" type="slidenum">
               <a:rPr lang="zh-TW" altLang="en-US" smtClean="0"/>
+              <a:pPr/>
               <a:t>‹#›</a:t>
             </a:fld>
             <a:endParaRPr lang="zh-TW" altLang="en-US"/>
@@ -817,7 +827,8 @@
           <a:p>
             <a:fld id="{9C2E27BE-7C78-453E-8D49-6C3E6F394594}" type="datetimeFigureOut">
               <a:rPr lang="zh-TW" altLang="en-US" smtClean="0"/>
-              <a:t>2020/11/28</a:t>
+              <a:pPr/>
+              <a:t>2020/12/15</a:t>
             </a:fld>
             <a:endParaRPr lang="zh-TW" altLang="en-US"/>
           </a:p>
@@ -859,6 +870,7 @@
           <a:p>
             <a:fld id="{01FBFCBF-C28A-4C2F-AC63-98C876BCDF18}" type="slidenum">
               <a:rPr lang="zh-TW" altLang="en-US" smtClean="0"/>
+              <a:pPr/>
               <a:t>‹#›</a:t>
             </a:fld>
             <a:endParaRPr lang="zh-TW" altLang="en-US"/>
@@ -1058,7 +1070,8 @@
           <a:p>
             <a:fld id="{9C2E27BE-7C78-453E-8D49-6C3E6F394594}" type="datetimeFigureOut">
               <a:rPr lang="zh-TW" altLang="en-US" smtClean="0"/>
-              <a:t>2020/11/28</a:t>
+              <a:pPr/>
+              <a:t>2020/12/15</a:t>
             </a:fld>
             <a:endParaRPr lang="zh-TW" altLang="en-US"/>
           </a:p>
@@ -1100,6 +1113,7 @@
           <a:p>
             <a:fld id="{01FBFCBF-C28A-4C2F-AC63-98C876BCDF18}" type="slidenum">
               <a:rPr lang="zh-TW" altLang="en-US" smtClean="0"/>
+              <a:pPr/>
               <a:t>‹#›</a:t>
             </a:fld>
             <a:endParaRPr lang="zh-TW" altLang="en-US"/>
@@ -1341,7 +1355,8 @@
           <a:p>
             <a:fld id="{9C2E27BE-7C78-453E-8D49-6C3E6F394594}" type="datetimeFigureOut">
               <a:rPr lang="zh-TW" altLang="en-US" smtClean="0"/>
-              <a:t>2020/11/28</a:t>
+              <a:pPr/>
+              <a:t>2020/12/15</a:t>
             </a:fld>
             <a:endParaRPr lang="zh-TW" altLang="en-US"/>
           </a:p>
@@ -1383,6 +1398,7 @@
           <a:p>
             <a:fld id="{01FBFCBF-C28A-4C2F-AC63-98C876BCDF18}" type="slidenum">
               <a:rPr lang="zh-TW" altLang="en-US" smtClean="0"/>
+              <a:pPr/>
               <a:t>‹#›</a:t>
             </a:fld>
             <a:endParaRPr lang="zh-TW" altLang="en-US"/>
@@ -1758,7 +1774,8 @@
           <a:p>
             <a:fld id="{9C2E27BE-7C78-453E-8D49-6C3E6F394594}" type="datetimeFigureOut">
               <a:rPr lang="zh-TW" altLang="en-US" smtClean="0"/>
-              <a:t>2020/11/28</a:t>
+              <a:pPr/>
+              <a:t>2020/12/15</a:t>
             </a:fld>
             <a:endParaRPr lang="zh-TW" altLang="en-US"/>
           </a:p>
@@ -1800,6 +1817,7 @@
           <a:p>
             <a:fld id="{01FBFCBF-C28A-4C2F-AC63-98C876BCDF18}" type="slidenum">
               <a:rPr lang="zh-TW" altLang="en-US" smtClean="0"/>
+              <a:pPr/>
               <a:t>‹#›</a:t>
             </a:fld>
             <a:endParaRPr lang="zh-TW" altLang="en-US"/>
@@ -1871,7 +1889,8 @@
           <a:p>
             <a:fld id="{9C2E27BE-7C78-453E-8D49-6C3E6F394594}" type="datetimeFigureOut">
               <a:rPr lang="zh-TW" altLang="en-US" smtClean="0"/>
-              <a:t>2020/11/28</a:t>
+              <a:pPr/>
+              <a:t>2020/12/15</a:t>
             </a:fld>
             <a:endParaRPr lang="zh-TW" altLang="en-US"/>
           </a:p>
@@ -1913,6 +1932,7 @@
           <a:p>
             <a:fld id="{01FBFCBF-C28A-4C2F-AC63-98C876BCDF18}" type="slidenum">
               <a:rPr lang="zh-TW" altLang="en-US" smtClean="0"/>
+              <a:pPr/>
               <a:t>‹#›</a:t>
             </a:fld>
             <a:endParaRPr lang="zh-TW" altLang="en-US"/>
@@ -1961,7 +1981,8 @@
           <a:p>
             <a:fld id="{9C2E27BE-7C78-453E-8D49-6C3E6F394594}" type="datetimeFigureOut">
               <a:rPr lang="zh-TW" altLang="en-US" smtClean="0"/>
-              <a:t>2020/11/28</a:t>
+              <a:pPr/>
+              <a:t>2020/12/15</a:t>
             </a:fld>
             <a:endParaRPr lang="zh-TW" altLang="en-US"/>
           </a:p>
@@ -2003,6 +2024,7 @@
           <a:p>
             <a:fld id="{01FBFCBF-C28A-4C2F-AC63-98C876BCDF18}" type="slidenum">
               <a:rPr lang="zh-TW" altLang="en-US" smtClean="0"/>
+              <a:pPr/>
               <a:t>‹#›</a:t>
             </a:fld>
             <a:endParaRPr lang="zh-TW" altLang="en-US"/>
@@ -2233,7 +2255,8 @@
           <a:p>
             <a:fld id="{9C2E27BE-7C78-453E-8D49-6C3E6F394594}" type="datetimeFigureOut">
               <a:rPr lang="zh-TW" altLang="en-US" smtClean="0"/>
-              <a:t>2020/11/28</a:t>
+              <a:pPr/>
+              <a:t>2020/12/15</a:t>
             </a:fld>
             <a:endParaRPr lang="zh-TW" altLang="en-US"/>
           </a:p>
@@ -2275,6 +2298,7 @@
           <a:p>
             <a:fld id="{01FBFCBF-C28A-4C2F-AC63-98C876BCDF18}" type="slidenum">
               <a:rPr lang="zh-TW" altLang="en-US" smtClean="0"/>
+              <a:pPr/>
               <a:t>‹#›</a:t>
             </a:fld>
             <a:endParaRPr lang="zh-TW" altLang="en-US"/>
@@ -2485,7 +2509,8 @@
           <a:p>
             <a:fld id="{9C2E27BE-7C78-453E-8D49-6C3E6F394594}" type="datetimeFigureOut">
               <a:rPr lang="zh-TW" altLang="en-US" smtClean="0"/>
-              <a:t>2020/11/28</a:t>
+              <a:pPr/>
+              <a:t>2020/12/15</a:t>
             </a:fld>
             <a:endParaRPr lang="zh-TW" altLang="en-US"/>
           </a:p>
@@ -2527,6 +2552,7 @@
           <a:p>
             <a:fld id="{01FBFCBF-C28A-4C2F-AC63-98C876BCDF18}" type="slidenum">
               <a:rPr lang="zh-TW" altLang="en-US" smtClean="0"/>
+              <a:pPr/>
               <a:t>‹#›</a:t>
             </a:fld>
             <a:endParaRPr lang="zh-TW" altLang="en-US"/>
@@ -2698,7 +2724,8 @@
           <a:p>
             <a:fld id="{9C2E27BE-7C78-453E-8D49-6C3E6F394594}" type="datetimeFigureOut">
               <a:rPr lang="zh-TW" altLang="en-US" smtClean="0"/>
-              <a:t>2020/11/28</a:t>
+              <a:pPr/>
+              <a:t>2020/12/15</a:t>
             </a:fld>
             <a:endParaRPr lang="zh-TW" altLang="en-US"/>
           </a:p>
@@ -2776,6 +2803,7 @@
           <a:p>
             <a:fld id="{01FBFCBF-C28A-4C2F-AC63-98C876BCDF18}" type="slidenum">
               <a:rPr lang="zh-TW" altLang="en-US" smtClean="0"/>
+              <a:pPr/>
               <a:t>‹#›</a:t>
             </a:fld>
             <a:endParaRPr lang="zh-TW" altLang="en-US"/>
@@ -3070,7 +3098,7 @@
       </p:grpSpPr>
       <p:sp>
         <p:nvSpPr>
-          <p:cNvPr id="4" name="標題 3"/>
+          <p:cNvPr id="2" name="標題 1"/>
           <p:cNvSpPr>
             <a:spLocks noGrp="1"/>
           </p:cNvSpPr>
@@ -3078,73 +3106,636 @@
             <p:ph type="title"/>
           </p:nvPr>
         </p:nvSpPr>
-        <p:spPr>
-          <a:xfrm>
-            <a:off x="0" y="2857513"/>
-            <a:ext cx="12192000" cy="1143000"/>
-          </a:xfrm>
-        </p:spPr>
+        <p:spPr/>
+        <p:txBody>
+          <a:bodyPr>
+            <a:normAutofit/>
+          </a:bodyPr>
+          <a:lstStyle/>
+          <a:p>
+            <a:r>
+              <a:rPr lang="zh-TW" altLang="en-US" sz="5400" b="1" dirty="0" smtClean="0">
+                <a:solidFill>
+                  <a:srgbClr val="660033"/>
+                </a:solidFill>
+                <a:latin typeface="微軟正黑體" pitchFamily="34" charset="-120"/>
+                <a:ea typeface="微軟正黑體" pitchFamily="34" charset="-120"/>
+                <a:cs typeface="+mn-cs"/>
+              </a:rPr>
+              <a:t>在祂沒有難成的事</a:t>
+            </a:r>
+          </a:p>
+        </p:txBody>
+      </p:sp>
+      <p:sp>
+        <p:nvSpPr>
+          <p:cNvPr id="3" name="內容版面配置區 2"/>
+          <p:cNvSpPr>
+            <a:spLocks noGrp="1"/>
+          </p:cNvSpPr>
+          <p:nvPr>
+            <p:ph idx="1"/>
+          </p:nvPr>
+        </p:nvSpPr>
+        <p:spPr/>
         <p:txBody>
           <a:bodyPr>
             <a:noAutofit/>
           </a:bodyPr>
           <a:lstStyle/>
           <a:p>
-            <a:r>
-              <a:rPr lang="zh-TW" altLang="en-US" sz="7200" b="1" i="1" dirty="0">
+            <a:pPr algn="ctr">
+              <a:buNone/>
+            </a:pPr>
+            <a:r>
+              <a:rPr lang="zh-TW" altLang="en-US" sz="6400" b="1" dirty="0" smtClean="0">
+                <a:solidFill>
+                  <a:srgbClr val="660033"/>
+                </a:solidFill>
+                <a:latin typeface="微軟正黑體" pitchFamily="34" charset="-120"/>
+                <a:ea typeface="微軟正黑體" pitchFamily="34" charset="-120"/>
+              </a:rPr>
+              <a:t>不論有多大有多難的事  </a:t>
+            </a:r>
+            <a:endParaRPr lang="en-US" altLang="zh-TW" sz="6400" b="1" dirty="0" smtClean="0">
+              <a:solidFill>
+                <a:srgbClr val="660033"/>
+              </a:solidFill>
+              <a:latin typeface="微軟正黑體" pitchFamily="34" charset="-120"/>
+              <a:ea typeface="微軟正黑體" pitchFamily="34" charset="-120"/>
+            </a:endParaRPr>
+          </a:p>
+          <a:p>
+            <a:pPr algn="ctr">
+              <a:buNone/>
+            </a:pPr>
+            <a:r>
+              <a:rPr lang="zh-TW" altLang="en-US" sz="6400" b="1" dirty="0" smtClean="0">
+                <a:solidFill>
+                  <a:srgbClr val="660033"/>
+                </a:solidFill>
+                <a:latin typeface="微軟正黑體" pitchFamily="34" charset="-120"/>
+                <a:ea typeface="微軟正黑體" pitchFamily="34" charset="-120"/>
+              </a:rPr>
+              <a:t>交托在全能的上帝手裡</a:t>
+            </a:r>
+            <a:endParaRPr lang="en-US" altLang="zh-TW" sz="6400" b="1" dirty="0" smtClean="0">
+              <a:solidFill>
+                <a:srgbClr val="660033"/>
+              </a:solidFill>
+              <a:latin typeface="微軟正黑體" pitchFamily="34" charset="-120"/>
+              <a:ea typeface="微軟正黑體" pitchFamily="34" charset="-120"/>
+            </a:endParaRPr>
+          </a:p>
+          <a:p>
+            <a:pPr algn="ctr">
+              <a:buNone/>
+            </a:pPr>
+            <a:r>
+              <a:rPr lang="zh-TW" altLang="en-US" sz="6400" b="1" dirty="0" smtClean="0">
+                <a:solidFill>
+                  <a:srgbClr val="660033"/>
+                </a:solidFill>
+                <a:latin typeface="微軟正黑體" pitchFamily="34" charset="-120"/>
+                <a:ea typeface="微軟正黑體" pitchFamily="34" charset="-120"/>
+              </a:rPr>
+              <a:t>不論有多大有多難的事 </a:t>
+            </a:r>
+            <a:endParaRPr lang="en-US" altLang="zh-TW" sz="6400" b="1" dirty="0" smtClean="0">
+              <a:solidFill>
+                <a:srgbClr val="660033"/>
+              </a:solidFill>
+              <a:latin typeface="微軟正黑體" pitchFamily="34" charset="-120"/>
+              <a:ea typeface="微軟正黑體" pitchFamily="34" charset="-120"/>
+            </a:endParaRPr>
+          </a:p>
+          <a:p>
+            <a:pPr algn="ctr">
+              <a:buNone/>
+            </a:pPr>
+            <a:r>
+              <a:rPr lang="zh-TW" altLang="en-US" sz="6400" b="1" dirty="0" smtClean="0">
+                <a:solidFill>
+                  <a:srgbClr val="660033"/>
+                </a:solidFill>
+                <a:latin typeface="微軟正黑體" pitchFamily="34" charset="-120"/>
+                <a:ea typeface="微軟正黑體" pitchFamily="34" charset="-120"/>
+              </a:rPr>
+              <a:t> 交托在上帝手裡</a:t>
+            </a:r>
+            <a:endParaRPr lang="zh-TW" altLang="en-US" sz="6400" b="1" dirty="0">
+              <a:solidFill>
+                <a:srgbClr val="660033"/>
+              </a:solidFill>
+              <a:latin typeface="微軟正黑體" pitchFamily="34" charset="-120"/>
+              <a:ea typeface="微軟正黑體" pitchFamily="34" charset="-120"/>
+            </a:endParaRPr>
+          </a:p>
+        </p:txBody>
+      </p:sp>
+    </p:spTree>
+  </p:cSld>
+  <p:clrMapOvr>
+    <a:masterClrMapping/>
+  </p:clrMapOvr>
+</p:sld>
+</file>
+
+<file path=ppt/slides/slide10.xml><?xml version="1.0" encoding="utf-8"?>
+<p:sld xmlns:a="http://schemas.openxmlformats.org/drawingml/2006/main" xmlns:r="http://schemas.openxmlformats.org/officeDocument/2006/relationships" xmlns:p="http://schemas.openxmlformats.org/presentationml/2006/main">
+  <p:cSld>
+    <p:spTree>
+      <p:nvGrpSpPr>
+        <p:cNvPr id="1" name=""/>
+        <p:cNvGrpSpPr/>
+        <p:nvPr/>
+      </p:nvGrpSpPr>
+      <p:grpSpPr>
+        <a:xfrm>
+          <a:off x="0" y="0"/>
+          <a:ext cx="0" cy="0"/>
+          <a:chOff x="0" y="0"/>
+          <a:chExt cx="0" cy="0"/>
+        </a:xfrm>
+      </p:grpSpPr>
+      <p:sp>
+        <p:nvSpPr>
+          <p:cNvPr id="5" name="內容版面配置區 4"/>
+          <p:cNvSpPr>
+            <a:spLocks noGrp="1"/>
+          </p:cNvSpPr>
+          <p:nvPr>
+            <p:ph idx="1"/>
+          </p:nvPr>
+        </p:nvSpPr>
+        <p:spPr>
+          <a:xfrm>
+            <a:off x="0" y="2084853"/>
+            <a:ext cx="12192000" cy="2404863"/>
+          </a:xfrm>
+        </p:spPr>
+        <p:txBody>
+          <a:bodyPr anchor="ctr">
+            <a:normAutofit/>
+          </a:bodyPr>
+          <a:lstStyle/>
+          <a:p>
+            <a:pPr algn="ctr">
+              <a:buNone/>
+            </a:pPr>
+            <a:r>
+              <a:rPr lang="zh-TW" altLang="en-US" sz="6400" b="1" dirty="0">
                 <a:solidFill>
                   <a:srgbClr val="000066"/>
                 </a:solidFill>
-                <a:effectLst>
-                  <a:outerShdw blurRad="38100" dist="38100" dir="2700000" algn="tl">
-                    <a:srgbClr val="000000">
-                      <a:alpha val="43137"/>
-                    </a:srgbClr>
-                  </a:outerShdw>
-                </a:effectLst>
-                <a:latin typeface="微軟正黑體" pitchFamily="34" charset="-120"/>
-                <a:ea typeface="微軟正黑體" pitchFamily="34" charset="-120"/>
-              </a:rPr>
-              <a:t>遇見</a:t>
-            </a:r>
-            <a:r>
-              <a:rPr lang="zh-CN" altLang="en-US" sz="7200" b="1" i="1" dirty="0">
+                <a:latin typeface="微軟正黑體" pitchFamily="34" charset="-120"/>
+                <a:ea typeface="微軟正黑體" pitchFamily="34" charset="-120"/>
+              </a:rPr>
+              <a:t>在</a:t>
+            </a:r>
+            <a:r>
+              <a:rPr lang="zh-CN" altLang="en-US" sz="6400" b="1" dirty="0">
                 <a:solidFill>
                   <a:srgbClr val="000066"/>
                 </a:solidFill>
-                <a:effectLst>
-                  <a:outerShdw blurRad="38100" dist="38100" dir="2700000" algn="tl">
-                    <a:srgbClr val="000000">
-                      <a:alpha val="43137"/>
-                    </a:srgbClr>
-                  </a:outerShdw>
-                </a:effectLst>
                 <a:latin typeface="微軟正黑體" pitchFamily="34" charset="-120"/>
                 <a:ea typeface="微軟正黑體" pitchFamily="34" charset="-120"/>
               </a:rPr>
               <a:t>袮</a:t>
             </a:r>
-            <a:endParaRPr lang="zh-TW" altLang="en-US" sz="7200" b="1" i="1" dirty="0">
+            <a:r>
+              <a:rPr lang="zh-TW" altLang="en-US" sz="6400" b="1" dirty="0">
+                <a:solidFill>
+                  <a:srgbClr val="000066"/>
+                </a:solidFill>
+                <a:latin typeface="微軟正黑體" pitchFamily="34" charset="-120"/>
+                <a:ea typeface="微軟正黑體" pitchFamily="34" charset="-120"/>
+              </a:rPr>
+              <a:t>面前有滿足的喜樂</a:t>
+            </a:r>
+            <a:endParaRPr lang="en-US" altLang="zh-TW" sz="6400" b="1" dirty="0">
               <a:solidFill>
                 <a:srgbClr val="000066"/>
               </a:solidFill>
-              <a:effectLst>
-                <a:outerShdw blurRad="38100" dist="38100" dir="2700000" algn="tl">
-                  <a:srgbClr val="000000">
-                    <a:alpha val="43137"/>
-                  </a:srgbClr>
-                </a:outerShdw>
-              </a:effectLst>
               <a:latin typeface="微軟正黑體" pitchFamily="34" charset="-120"/>
               <a:ea typeface="微軟正黑體" pitchFamily="34" charset="-120"/>
             </a:endParaRPr>
           </a:p>
+          <a:p>
+            <a:pPr algn="ctr">
+              <a:buNone/>
+            </a:pPr>
+            <a:r>
+              <a:rPr lang="zh-TW" altLang="en-US" sz="6400" b="1" dirty="0">
+                <a:solidFill>
+                  <a:srgbClr val="000066"/>
+                </a:solidFill>
+                <a:latin typeface="微軟正黑體" pitchFamily="34" charset="-120"/>
+                <a:ea typeface="微軟正黑體" pitchFamily="34" charset="-120"/>
+              </a:rPr>
+              <a:t>在</a:t>
+            </a:r>
+            <a:r>
+              <a:rPr lang="zh-CN" altLang="en-US" sz="6400" b="1" dirty="0">
+                <a:solidFill>
+                  <a:srgbClr val="000066"/>
+                </a:solidFill>
+                <a:latin typeface="微軟正黑體" pitchFamily="34" charset="-120"/>
+                <a:ea typeface="微軟正黑體" pitchFamily="34" charset="-120"/>
+              </a:rPr>
+              <a:t>袮</a:t>
+            </a:r>
+            <a:r>
+              <a:rPr lang="zh-TW" altLang="en-US" sz="6400" b="1" dirty="0">
+                <a:solidFill>
+                  <a:srgbClr val="000066"/>
+                </a:solidFill>
+                <a:latin typeface="微軟正黑體" pitchFamily="34" charset="-120"/>
+                <a:ea typeface="微軟正黑體" pitchFamily="34" charset="-120"/>
+              </a:rPr>
+              <a:t>右手中有永遠的福樂</a:t>
+            </a:r>
+            <a:endParaRPr lang="en-US" altLang="zh-TW" sz="6400" b="1" dirty="0">
+              <a:solidFill>
+                <a:srgbClr val="000066"/>
+              </a:solidFill>
+              <a:latin typeface="微軟正黑體" pitchFamily="34" charset="-120"/>
+              <a:ea typeface="微軟正黑體" pitchFamily="34" charset="-120"/>
+            </a:endParaRPr>
+          </a:p>
         </p:txBody>
       </p:sp>
     </p:spTree>
     <p:extLst>
       <p:ext uri="{BB962C8B-B14F-4D97-AF65-F5344CB8AC3E}">
-        <p14:creationId xmlns:p14="http://schemas.microsoft.com/office/powerpoint/2010/main" val="2799653032"/>
+        <p14:creationId xmlns:p14="http://schemas.microsoft.com/office/powerpoint/2010/main" xmlns="" val="1026985615"/>
+      </p:ext>
+    </p:extLst>
+  </p:cSld>
+  <p:clrMapOvr>
+    <a:masterClrMapping/>
+  </p:clrMapOvr>
+</p:sld>
+</file>
+
+<file path=ppt/slides/slide11.xml><?xml version="1.0" encoding="utf-8"?>
+<p:sld xmlns:a="http://schemas.openxmlformats.org/drawingml/2006/main" xmlns:r="http://schemas.openxmlformats.org/officeDocument/2006/relationships" xmlns:p="http://schemas.openxmlformats.org/presentationml/2006/main">
+  <p:cSld>
+    <p:spTree>
+      <p:nvGrpSpPr>
+        <p:cNvPr id="1" name=""/>
+        <p:cNvGrpSpPr/>
+        <p:nvPr/>
+      </p:nvGrpSpPr>
+      <p:grpSpPr>
+        <a:xfrm>
+          <a:off x="0" y="0"/>
+          <a:ext cx="0" cy="0"/>
+          <a:chOff x="0" y="0"/>
+          <a:chExt cx="0" cy="0"/>
+        </a:xfrm>
+      </p:grpSpPr>
+      <p:sp>
+        <p:nvSpPr>
+          <p:cNvPr id="5" name="內容版面配置區 4"/>
+          <p:cNvSpPr>
+            <a:spLocks noGrp="1"/>
+          </p:cNvSpPr>
+          <p:nvPr>
+            <p:ph idx="1"/>
+          </p:nvPr>
+        </p:nvSpPr>
+        <p:spPr>
+          <a:xfrm>
+            <a:off x="0" y="2084853"/>
+            <a:ext cx="12192000" cy="2404863"/>
+          </a:xfrm>
+        </p:spPr>
+        <p:txBody>
+          <a:bodyPr anchor="ctr">
+            <a:normAutofit/>
+          </a:bodyPr>
+          <a:lstStyle/>
+          <a:p>
+            <a:pPr algn="ctr">
+              <a:buNone/>
+            </a:pPr>
+            <a:r>
+              <a:rPr lang="zh-TW" altLang="en-US" sz="6400" b="1" dirty="0">
+                <a:solidFill>
+                  <a:srgbClr val="000066"/>
+                </a:solidFill>
+                <a:latin typeface="微軟正黑體" pitchFamily="34" charset="-120"/>
+                <a:ea typeface="微軟正黑體" pitchFamily="34" charset="-120"/>
+              </a:rPr>
+              <a:t>量給我的地界  坐落佳美之處 </a:t>
+            </a:r>
+            <a:endParaRPr lang="en-US" altLang="zh-TW" sz="6400" b="1" dirty="0">
+              <a:solidFill>
+                <a:srgbClr val="000066"/>
+              </a:solidFill>
+              <a:latin typeface="微軟正黑體" pitchFamily="34" charset="-120"/>
+              <a:ea typeface="微軟正黑體" pitchFamily="34" charset="-120"/>
+            </a:endParaRPr>
+          </a:p>
+          <a:p>
+            <a:pPr algn="ctr">
+              <a:buNone/>
+            </a:pPr>
+            <a:r>
+              <a:rPr lang="zh-TW" altLang="en-US" sz="6400" b="1" dirty="0">
+                <a:solidFill>
+                  <a:srgbClr val="000066"/>
+                </a:solidFill>
+                <a:latin typeface="微軟正黑體" pitchFamily="34" charset="-120"/>
+                <a:ea typeface="微軟正黑體" pitchFamily="34" charset="-120"/>
+              </a:rPr>
+              <a:t>我的產業實在美好</a:t>
+            </a:r>
+          </a:p>
+        </p:txBody>
+      </p:sp>
+    </p:spTree>
+    <p:extLst>
+      <p:ext uri="{BB962C8B-B14F-4D97-AF65-F5344CB8AC3E}">
+        <p14:creationId xmlns:p14="http://schemas.microsoft.com/office/powerpoint/2010/main" xmlns="" val="2785632229"/>
+      </p:ext>
+    </p:extLst>
+  </p:cSld>
+  <p:clrMapOvr>
+    <a:masterClrMapping/>
+  </p:clrMapOvr>
+</p:sld>
+</file>
+
+<file path=ppt/slides/slide12.xml><?xml version="1.0" encoding="utf-8"?>
+<p:sld xmlns:a="http://schemas.openxmlformats.org/drawingml/2006/main" xmlns:r="http://schemas.openxmlformats.org/officeDocument/2006/relationships" xmlns:p="http://schemas.openxmlformats.org/presentationml/2006/main">
+  <p:cSld>
+    <p:spTree>
+      <p:nvGrpSpPr>
+        <p:cNvPr id="1" name=""/>
+        <p:cNvGrpSpPr/>
+        <p:nvPr/>
+      </p:nvGrpSpPr>
+      <p:grpSpPr>
+        <a:xfrm>
+          <a:off x="0" y="0"/>
+          <a:ext cx="0" cy="0"/>
+          <a:chOff x="0" y="0"/>
+          <a:chExt cx="0" cy="0"/>
+        </a:xfrm>
+      </p:grpSpPr>
+      <p:sp>
+        <p:nvSpPr>
+          <p:cNvPr id="5" name="內容版面配置區 4"/>
+          <p:cNvSpPr>
+            <a:spLocks noGrp="1"/>
+          </p:cNvSpPr>
+          <p:nvPr>
+            <p:ph idx="1"/>
+          </p:nvPr>
+        </p:nvSpPr>
+        <p:spPr>
+          <a:xfrm>
+            <a:off x="0" y="2084853"/>
+            <a:ext cx="12192000" cy="2404863"/>
+          </a:xfrm>
+        </p:spPr>
+        <p:txBody>
+          <a:bodyPr anchor="ctr">
+            <a:normAutofit/>
+          </a:bodyPr>
+          <a:lstStyle/>
+          <a:p>
+            <a:pPr algn="ctr">
+              <a:buNone/>
+            </a:pPr>
+            <a:r>
+              <a:rPr lang="zh-TW" altLang="en-US" sz="6400" b="1" dirty="0">
+                <a:solidFill>
+                  <a:srgbClr val="000066"/>
+                </a:solidFill>
+                <a:latin typeface="微軟正黑體" pitchFamily="34" charset="-120"/>
+                <a:ea typeface="微軟正黑體" pitchFamily="34" charset="-120"/>
+              </a:rPr>
+              <a:t>在</a:t>
+            </a:r>
+            <a:r>
+              <a:rPr lang="zh-CN" altLang="en-US" sz="6400" b="1" dirty="0">
+                <a:solidFill>
+                  <a:srgbClr val="000066"/>
+                </a:solidFill>
+                <a:latin typeface="微軟正黑體" pitchFamily="34" charset="-120"/>
+                <a:ea typeface="微軟正黑體" pitchFamily="34" charset="-120"/>
+              </a:rPr>
+              <a:t>袮</a:t>
+            </a:r>
+            <a:r>
+              <a:rPr lang="zh-TW" altLang="en-US" sz="6400" b="1" dirty="0">
+                <a:solidFill>
+                  <a:srgbClr val="000066"/>
+                </a:solidFill>
+                <a:latin typeface="微軟正黑體" pitchFamily="34" charset="-120"/>
+                <a:ea typeface="微軟正黑體" pitchFamily="34" charset="-120"/>
+              </a:rPr>
+              <a:t>面前有滿足的喜樂</a:t>
+            </a:r>
+            <a:endParaRPr lang="en-US" altLang="zh-TW" sz="6400" b="1" dirty="0">
+              <a:solidFill>
+                <a:srgbClr val="000066"/>
+              </a:solidFill>
+              <a:latin typeface="微軟正黑體" pitchFamily="34" charset="-120"/>
+              <a:ea typeface="微軟正黑體" pitchFamily="34" charset="-120"/>
+            </a:endParaRPr>
+          </a:p>
+          <a:p>
+            <a:pPr algn="ctr">
+              <a:buNone/>
+            </a:pPr>
+            <a:r>
+              <a:rPr lang="zh-TW" altLang="en-US" sz="6400" b="1" dirty="0">
+                <a:solidFill>
+                  <a:srgbClr val="000066"/>
+                </a:solidFill>
+                <a:latin typeface="微軟正黑體" pitchFamily="34" charset="-120"/>
+                <a:ea typeface="微軟正黑體" pitchFamily="34" charset="-120"/>
+              </a:rPr>
+              <a:t>在</a:t>
+            </a:r>
+            <a:r>
+              <a:rPr lang="zh-CN" altLang="en-US" sz="6400" b="1" dirty="0">
+                <a:solidFill>
+                  <a:srgbClr val="000066"/>
+                </a:solidFill>
+                <a:latin typeface="微軟正黑體" pitchFamily="34" charset="-120"/>
+                <a:ea typeface="微軟正黑體" pitchFamily="34" charset="-120"/>
+              </a:rPr>
+              <a:t>袮</a:t>
+            </a:r>
+            <a:r>
+              <a:rPr lang="zh-TW" altLang="en-US" sz="6400" b="1" dirty="0">
+                <a:solidFill>
+                  <a:srgbClr val="000066"/>
+                </a:solidFill>
+                <a:latin typeface="微軟正黑體" pitchFamily="34" charset="-120"/>
+                <a:ea typeface="微軟正黑體" pitchFamily="34" charset="-120"/>
+              </a:rPr>
+              <a:t>右手中有永遠的福樂</a:t>
+            </a:r>
+            <a:endParaRPr lang="en-US" altLang="zh-TW" sz="6400" b="1" dirty="0">
+              <a:solidFill>
+                <a:srgbClr val="000066"/>
+              </a:solidFill>
+              <a:latin typeface="微軟正黑體" pitchFamily="34" charset="-120"/>
+              <a:ea typeface="微軟正黑體" pitchFamily="34" charset="-120"/>
+            </a:endParaRPr>
+          </a:p>
+        </p:txBody>
+      </p:sp>
+    </p:spTree>
+    <p:extLst>
+      <p:ext uri="{BB962C8B-B14F-4D97-AF65-F5344CB8AC3E}">
+        <p14:creationId xmlns:p14="http://schemas.microsoft.com/office/powerpoint/2010/main" xmlns="" val="1469619297"/>
+      </p:ext>
+    </p:extLst>
+  </p:cSld>
+  <p:clrMapOvr>
+    <a:masterClrMapping/>
+  </p:clrMapOvr>
+</p:sld>
+</file>
+
+<file path=ppt/slides/slide13.xml><?xml version="1.0" encoding="utf-8"?>
+<p:sld xmlns:a="http://schemas.openxmlformats.org/drawingml/2006/main" xmlns:r="http://schemas.openxmlformats.org/officeDocument/2006/relationships" xmlns:p="http://schemas.openxmlformats.org/presentationml/2006/main">
+  <p:cSld>
+    <p:spTree>
+      <p:nvGrpSpPr>
+        <p:cNvPr id="1" name=""/>
+        <p:cNvGrpSpPr/>
+        <p:nvPr/>
+      </p:nvGrpSpPr>
+      <p:grpSpPr>
+        <a:xfrm>
+          <a:off x="0" y="0"/>
+          <a:ext cx="0" cy="0"/>
+          <a:chOff x="0" y="0"/>
+          <a:chExt cx="0" cy="0"/>
+        </a:xfrm>
+      </p:grpSpPr>
+      <p:sp>
+        <p:nvSpPr>
+          <p:cNvPr id="5" name="內容版面配置區 4"/>
+          <p:cNvSpPr>
+            <a:spLocks noGrp="1"/>
+          </p:cNvSpPr>
+          <p:nvPr>
+            <p:ph idx="1"/>
+          </p:nvPr>
+        </p:nvSpPr>
+        <p:spPr>
+          <a:xfrm>
+            <a:off x="0" y="2084853"/>
+            <a:ext cx="12192000" cy="2404863"/>
+          </a:xfrm>
+        </p:spPr>
+        <p:txBody>
+          <a:bodyPr anchor="ctr">
+            <a:normAutofit/>
+          </a:bodyPr>
+          <a:lstStyle/>
+          <a:p>
+            <a:pPr algn="ctr">
+              <a:buNone/>
+            </a:pPr>
+            <a:r>
+              <a:rPr lang="zh-CN" altLang="en-US" sz="6400" b="1" dirty="0">
+                <a:solidFill>
+                  <a:srgbClr val="000066"/>
+                </a:solidFill>
+                <a:latin typeface="微軟正黑體" pitchFamily="34" charset="-120"/>
+                <a:ea typeface="微軟正黑體" pitchFamily="34" charset="-120"/>
+              </a:rPr>
+              <a:t>袮</a:t>
+            </a:r>
+            <a:r>
+              <a:rPr lang="zh-TW" altLang="en-US" sz="6400" b="1" dirty="0">
+                <a:solidFill>
+                  <a:srgbClr val="000066"/>
+                </a:solidFill>
+                <a:latin typeface="微軟正黑體" pitchFamily="34" charset="-120"/>
+                <a:ea typeface="微軟正黑體" pitchFamily="34" charset="-120"/>
+              </a:rPr>
+              <a:t>是我的主  好處不在</a:t>
+            </a:r>
+            <a:r>
+              <a:rPr lang="zh-CN" altLang="en-US" sz="6400" b="1" dirty="0">
+                <a:solidFill>
+                  <a:srgbClr val="000066"/>
+                </a:solidFill>
+                <a:latin typeface="微軟正黑體" pitchFamily="34" charset="-120"/>
+                <a:ea typeface="微軟正黑體" pitchFamily="34" charset="-120"/>
+              </a:rPr>
+              <a:t>袮</a:t>
+            </a:r>
+            <a:r>
+              <a:rPr lang="zh-TW" altLang="en-US" sz="6400" b="1" dirty="0">
+                <a:solidFill>
+                  <a:srgbClr val="000066"/>
+                </a:solidFill>
+                <a:latin typeface="微軟正黑體" pitchFamily="34" charset="-120"/>
+                <a:ea typeface="微軟正黑體" pitchFamily="34" charset="-120"/>
+              </a:rPr>
+              <a:t>以外 </a:t>
+            </a:r>
+            <a:endParaRPr lang="en-US" altLang="zh-TW" sz="6400" b="1" dirty="0">
+              <a:solidFill>
+                <a:srgbClr val="000066"/>
+              </a:solidFill>
+              <a:latin typeface="微軟正黑體" pitchFamily="34" charset="-120"/>
+              <a:ea typeface="微軟正黑體" pitchFamily="34" charset="-120"/>
+            </a:endParaRPr>
+          </a:p>
+          <a:p>
+            <a:pPr algn="ctr">
+              <a:buNone/>
+            </a:pPr>
+            <a:r>
+              <a:rPr lang="zh-TW" altLang="en-US" sz="6400" b="1" dirty="0">
+                <a:solidFill>
+                  <a:srgbClr val="000066"/>
+                </a:solidFill>
+                <a:latin typeface="微軟正黑體" pitchFamily="34" charset="-120"/>
+                <a:ea typeface="微軟正黑體" pitchFamily="34" charset="-120"/>
+              </a:rPr>
+              <a:t>遇見</a:t>
+            </a:r>
+            <a:r>
+              <a:rPr lang="zh-CN" altLang="en-US" sz="6400" b="1" dirty="0">
+                <a:solidFill>
+                  <a:srgbClr val="000066"/>
+                </a:solidFill>
+                <a:latin typeface="微軟正黑體" pitchFamily="34" charset="-120"/>
+                <a:ea typeface="微軟正黑體" pitchFamily="34" charset="-120"/>
+              </a:rPr>
+              <a:t>袮  </a:t>
+            </a:r>
+            <a:r>
+              <a:rPr lang="zh-TW" altLang="en-US" sz="6400" b="1" dirty="0">
+                <a:solidFill>
+                  <a:srgbClr val="000066"/>
+                </a:solidFill>
+                <a:latin typeface="微軟正黑體" pitchFamily="34" charset="-120"/>
+                <a:ea typeface="微軟正黑體" pitchFamily="34" charset="-120"/>
+              </a:rPr>
+              <a:t>我就遇見幸福</a:t>
+            </a:r>
+          </a:p>
+        </p:txBody>
+      </p:sp>
+    </p:spTree>
+    <p:extLst>
+      <p:ext uri="{BB962C8B-B14F-4D97-AF65-F5344CB8AC3E}">
+        <p14:creationId xmlns:p14="http://schemas.microsoft.com/office/powerpoint/2010/main" xmlns="" val="377867710"/>
       </p:ext>
     </p:extLst>
   </p:cSld>
@@ -3173,72 +3764,68 @@
       </p:grpSpPr>
       <p:sp>
         <p:nvSpPr>
-          <p:cNvPr id="5" name="內容版面配置區 4"/>
-          <p:cNvSpPr>
-            <a:spLocks noGrp="1"/>
-          </p:cNvSpPr>
-          <p:nvPr>
-            <p:ph idx="1"/>
-          </p:nvPr>
-        </p:nvSpPr>
-        <p:spPr>
-          <a:xfrm>
-            <a:off x="0" y="2084853"/>
-            <a:ext cx="12192000" cy="2404863"/>
-          </a:xfrm>
-        </p:spPr>
-        <p:txBody>
-          <a:bodyPr anchor="ctr">
+          <p:cNvPr id="2" name="標題 1"/>
+          <p:cNvSpPr>
+            <a:spLocks noGrp="1"/>
+          </p:cNvSpPr>
+          <p:nvPr>
+            <p:ph type="title"/>
+          </p:nvPr>
+        </p:nvSpPr>
+        <p:spPr/>
+        <p:txBody>
+          <a:bodyPr>
             <a:normAutofit/>
           </a:bodyPr>
           <a:lstStyle/>
           <a:p>
+            <a:r>
+              <a:rPr lang="zh-TW" altLang="en-US" sz="5400" b="1" dirty="0" smtClean="0">
+                <a:solidFill>
+                  <a:srgbClr val="660033"/>
+                </a:solidFill>
+                <a:latin typeface="微軟正黑體" pitchFamily="34" charset="-120"/>
+                <a:ea typeface="微軟正黑體" pitchFamily="34" charset="-120"/>
+                <a:cs typeface="+mn-cs"/>
+              </a:rPr>
+              <a:t>在祂沒有難成的事</a:t>
+            </a:r>
+          </a:p>
+        </p:txBody>
+      </p:sp>
+      <p:sp>
+        <p:nvSpPr>
+          <p:cNvPr id="3" name="內容版面配置區 2"/>
+          <p:cNvSpPr>
+            <a:spLocks noGrp="1"/>
+          </p:cNvSpPr>
+          <p:nvPr>
+            <p:ph idx="1"/>
+          </p:nvPr>
+        </p:nvSpPr>
+        <p:spPr/>
+        <p:txBody>
+          <a:bodyPr>
+            <a:noAutofit/>
+          </a:bodyPr>
+          <a:lstStyle/>
+          <a:p>
             <a:pPr algn="ctr">
               <a:buNone/>
             </a:pPr>
             <a:r>
-              <a:rPr lang="zh-TW" altLang="en-US" sz="6400" b="1" dirty="0">
-                <a:solidFill>
-                  <a:srgbClr val="000066"/>
-                </a:solidFill>
-                <a:latin typeface="微軟正黑體" pitchFamily="34" charset="-120"/>
-                <a:ea typeface="微軟正黑體" pitchFamily="34" charset="-120"/>
-              </a:rPr>
-              <a:t>當我遇見</a:t>
-            </a:r>
-            <a:r>
-              <a:rPr lang="zh-CN" altLang="en-US" sz="6400" b="1" dirty="0">
-                <a:solidFill>
-                  <a:srgbClr val="000066"/>
-                </a:solidFill>
-                <a:latin typeface="微軟正黑體" pitchFamily="34" charset="-120"/>
-                <a:ea typeface="微軟正黑體" pitchFamily="34" charset="-120"/>
-              </a:rPr>
-              <a:t>袮</a:t>
-            </a:r>
-            <a:r>
-              <a:rPr lang="en-US" altLang="zh-TW" sz="6400" b="1" dirty="0">
-                <a:solidFill>
-                  <a:srgbClr val="000066"/>
-                </a:solidFill>
-                <a:latin typeface="微軟正黑體" pitchFamily="34" charset="-120"/>
-                <a:ea typeface="微軟正黑體" pitchFamily="34" charset="-120"/>
-              </a:rPr>
-              <a:t>  </a:t>
-            </a:r>
-            <a:r>
-              <a:rPr lang="zh-TW" altLang="en-US" sz="6400" b="1" dirty="0">
-                <a:solidFill>
-                  <a:srgbClr val="000066"/>
-                </a:solidFill>
-                <a:latin typeface="微軟正黑體" pitchFamily="34" charset="-120"/>
-                <a:ea typeface="微軟正黑體" pitchFamily="34" charset="-120"/>
-              </a:rPr>
-              <a:t>使我夜間歌唱</a:t>
-            </a:r>
-            <a:endParaRPr lang="en-US" altLang="zh-TW" sz="6400" b="1" dirty="0">
+              <a:rPr lang="zh-TW" altLang="en-US" sz="6400" b="1" dirty="0" smtClean="0">
+                <a:solidFill>
+                  <a:srgbClr val="660033"/>
+                </a:solidFill>
+                <a:latin typeface="微軟正黑體" pitchFamily="34" charset="-120"/>
+                <a:ea typeface="微軟正黑體" pitchFamily="34" charset="-120"/>
+              </a:rPr>
+              <a:t>看   看耶和華成就大事</a:t>
+            </a:r>
+            <a:endParaRPr lang="en-US" altLang="zh-TW" sz="6400" b="1" dirty="0" smtClean="0">
               <a:solidFill>
-                <a:srgbClr val="000066"/>
+                <a:srgbClr val="660033"/>
               </a:solidFill>
               <a:latin typeface="微軟正黑體" pitchFamily="34" charset="-120"/>
               <a:ea typeface="微軟正黑體" pitchFamily="34" charset="-120"/>
@@ -3249,51 +3836,86 @@
               <a:buNone/>
             </a:pPr>
             <a:r>
-              <a:rPr lang="zh-TW" altLang="en-US" sz="6400" b="1" dirty="0">
-                <a:solidFill>
-                  <a:srgbClr val="000066"/>
-                </a:solidFill>
-                <a:latin typeface="微軟正黑體" pitchFamily="34" charset="-120"/>
-                <a:ea typeface="微軟正黑體" pitchFamily="34" charset="-120"/>
-              </a:rPr>
-              <a:t>超越一切環境  看見</a:t>
-            </a:r>
-            <a:r>
-              <a:rPr lang="zh-CN" altLang="en-US" sz="6400" b="1" dirty="0">
-                <a:solidFill>
-                  <a:srgbClr val="000066"/>
-                </a:solidFill>
-                <a:latin typeface="微軟正黑體" pitchFamily="34" charset="-120"/>
-                <a:ea typeface="微軟正黑體" pitchFamily="34" charset="-120"/>
-              </a:rPr>
-              <a:t>袮</a:t>
-            </a:r>
-            <a:r>
-              <a:rPr lang="zh-TW" altLang="en-US" sz="6400" b="1" dirty="0">
-                <a:solidFill>
-                  <a:srgbClr val="000066"/>
-                </a:solidFill>
-                <a:latin typeface="微軟正黑體" pitchFamily="34" charset="-120"/>
-                <a:ea typeface="微軟正黑體" pitchFamily="34" charset="-120"/>
-              </a:rPr>
-              <a:t>的同在</a:t>
-            </a:r>
-            <a:endParaRPr lang="en-US" altLang="zh-TW" sz="6400" b="1" dirty="0">
+              <a:rPr lang="zh-TW" altLang="en-US" sz="6400" b="1" dirty="0" smtClean="0">
+                <a:solidFill>
+                  <a:srgbClr val="660033"/>
+                </a:solidFill>
+                <a:latin typeface="微軟正黑體" pitchFamily="34" charset="-120"/>
+                <a:ea typeface="微軟正黑體" pitchFamily="34" charset="-120"/>
+              </a:rPr>
+              <a:t>祂說有就有   祂命立就</a:t>
+            </a:r>
+            <a:r>
+              <a:rPr lang="zh-TW" altLang="en-US" sz="6400" b="1" dirty="0" smtClean="0">
+                <a:solidFill>
+                  <a:srgbClr val="660033"/>
+                </a:solidFill>
+                <a:latin typeface="微軟正黑體" pitchFamily="34" charset="-120"/>
+                <a:ea typeface="微軟正黑體" pitchFamily="34" charset="-120"/>
+              </a:rPr>
+              <a:t>立</a:t>
+            </a:r>
+            <a:endParaRPr lang="en-US" altLang="zh-TW" sz="6400" b="1" dirty="0" smtClean="0">
               <a:solidFill>
-                <a:srgbClr val="000066"/>
+                <a:srgbClr val="660033"/>
               </a:solidFill>
               <a:latin typeface="微軟正黑體" pitchFamily="34" charset="-120"/>
               <a:ea typeface="微軟正黑體" pitchFamily="34" charset="-120"/>
             </a:endParaRPr>
           </a:p>
+          <a:p>
+            <a:pPr algn="ctr">
+              <a:buNone/>
+            </a:pPr>
+            <a:r>
+              <a:rPr lang="zh-TW" altLang="en-US" sz="6400" b="1" dirty="0" smtClean="0">
+                <a:solidFill>
+                  <a:srgbClr val="660033"/>
+                </a:solidFill>
+                <a:latin typeface="微軟正黑體" pitchFamily="34" charset="-120"/>
+                <a:ea typeface="微軟正黑體" pitchFamily="34" charset="-120"/>
+              </a:rPr>
+              <a:t>看   </a:t>
+            </a:r>
+            <a:r>
+              <a:rPr lang="zh-TW" altLang="en-US" sz="6400" b="1" dirty="0" smtClean="0">
+                <a:solidFill>
+                  <a:srgbClr val="660033"/>
+                </a:solidFill>
+                <a:latin typeface="微軟正黑體" pitchFamily="34" charset="-120"/>
+                <a:ea typeface="微軟正黑體" pitchFamily="34" charset="-120"/>
+              </a:rPr>
+              <a:t>看耶和華成就大事</a:t>
+            </a:r>
+            <a:r>
+              <a:rPr lang="en-US" altLang="zh-TW" sz="6400" b="1" dirty="0" smtClean="0">
+                <a:solidFill>
+                  <a:srgbClr val="660033"/>
+                </a:solidFill>
+                <a:latin typeface="微軟正黑體" pitchFamily="34" charset="-120"/>
+                <a:ea typeface="微軟正黑體" pitchFamily="34" charset="-120"/>
+              </a:rPr>
+              <a:t>  </a:t>
+            </a:r>
+          </a:p>
+          <a:p>
+            <a:pPr algn="ctr">
+              <a:buNone/>
+            </a:pPr>
+            <a:r>
+              <a:rPr lang="zh-TW" altLang="en-US" sz="6400" b="1" dirty="0" smtClean="0">
+                <a:solidFill>
+                  <a:srgbClr val="660033"/>
+                </a:solidFill>
+                <a:latin typeface="微軟正黑體" pitchFamily="34" charset="-120"/>
+                <a:ea typeface="微軟正黑體" pitchFamily="34" charset="-120"/>
+              </a:rPr>
+              <a:t>在祂沒有難成的事</a:t>
+            </a:r>
+          </a:p>
         </p:txBody>
       </p:sp>
     </p:spTree>
-    <p:extLst>
-      <p:ext uri="{BB962C8B-B14F-4D97-AF65-F5344CB8AC3E}">
-        <p14:creationId xmlns:p14="http://schemas.microsoft.com/office/powerpoint/2010/main" val="1037318506"/>
-      </p:ext>
-    </p:extLst>
   </p:cSld>
   <p:clrMapOvr>
     <a:masterClrMapping/>
@@ -3320,42 +3942,68 @@
       </p:grpSpPr>
       <p:sp>
         <p:nvSpPr>
-          <p:cNvPr id="5" name="內容版面配置區 4"/>
-          <p:cNvSpPr>
-            <a:spLocks noGrp="1"/>
-          </p:cNvSpPr>
-          <p:nvPr>
-            <p:ph idx="1"/>
-          </p:nvPr>
-        </p:nvSpPr>
-        <p:spPr>
-          <a:xfrm>
-            <a:off x="0" y="2084853"/>
-            <a:ext cx="12192000" cy="2404863"/>
-          </a:xfrm>
-        </p:spPr>
-        <p:txBody>
-          <a:bodyPr anchor="ctr">
+          <p:cNvPr id="2" name="標題 1"/>
+          <p:cNvSpPr>
+            <a:spLocks noGrp="1"/>
+          </p:cNvSpPr>
+          <p:nvPr>
+            <p:ph type="title"/>
+          </p:nvPr>
+        </p:nvSpPr>
+        <p:spPr/>
+        <p:txBody>
+          <a:bodyPr>
             <a:normAutofit/>
           </a:bodyPr>
           <a:lstStyle/>
           <a:p>
+            <a:r>
+              <a:rPr lang="zh-TW" altLang="en-US" sz="5400" b="1" dirty="0" smtClean="0">
+                <a:solidFill>
+                  <a:srgbClr val="660033"/>
+                </a:solidFill>
+                <a:latin typeface="微軟正黑體" pitchFamily="34" charset="-120"/>
+                <a:ea typeface="微軟正黑體" pitchFamily="34" charset="-120"/>
+                <a:cs typeface="+mn-cs"/>
+              </a:rPr>
+              <a:t>在祂沒有難成的事</a:t>
+            </a:r>
+          </a:p>
+        </p:txBody>
+      </p:sp>
+      <p:sp>
+        <p:nvSpPr>
+          <p:cNvPr id="3" name="內容版面配置區 2"/>
+          <p:cNvSpPr>
+            <a:spLocks noGrp="1"/>
+          </p:cNvSpPr>
+          <p:nvPr>
+            <p:ph idx="1"/>
+          </p:nvPr>
+        </p:nvSpPr>
+        <p:spPr/>
+        <p:txBody>
+          <a:bodyPr>
+            <a:noAutofit/>
+          </a:bodyPr>
+          <a:lstStyle/>
+          <a:p>
             <a:pPr algn="ctr">
               <a:buNone/>
             </a:pPr>
             <a:r>
-              <a:rPr lang="zh-TW" altLang="en-US" sz="6400" b="1" dirty="0">
-                <a:solidFill>
-                  <a:srgbClr val="000066"/>
-                </a:solidFill>
-                <a:latin typeface="微軟正黑體" pitchFamily="34" charset="-120"/>
-                <a:ea typeface="微軟正黑體" pitchFamily="34" charset="-120"/>
-              </a:rPr>
-              <a:t>我的心歡喜  我的靈快樂</a:t>
-            </a:r>
-            <a:endParaRPr lang="en-US" altLang="zh-TW" sz="6400" b="1" dirty="0">
+              <a:rPr lang="zh-TW" altLang="en-US" sz="6400" b="1" dirty="0" smtClean="0">
+                <a:solidFill>
+                  <a:srgbClr val="660033"/>
+                </a:solidFill>
+                <a:latin typeface="微軟正黑體" pitchFamily="34" charset="-120"/>
+                <a:ea typeface="微軟正黑體" pitchFamily="34" charset="-120"/>
+              </a:rPr>
+              <a:t>哈～沒有難成的事</a:t>
+            </a:r>
+            <a:endParaRPr lang="en-US" altLang="zh-TW" sz="6400" b="1" dirty="0" smtClean="0">
               <a:solidFill>
-                <a:srgbClr val="000066"/>
+                <a:srgbClr val="660033"/>
               </a:solidFill>
               <a:latin typeface="微軟正黑體" pitchFamily="34" charset="-120"/>
               <a:ea typeface="微軟正黑體" pitchFamily="34" charset="-120"/>
@@ -3366,31 +4014,58 @@
               <a:buNone/>
             </a:pPr>
             <a:r>
-              <a:rPr lang="zh-TW" altLang="en-US" sz="6400" b="1" dirty="0">
-                <a:solidFill>
-                  <a:srgbClr val="000066"/>
-                </a:solidFill>
-                <a:latin typeface="微軟正黑體" pitchFamily="34" charset="-120"/>
-                <a:ea typeface="微軟正黑體" pitchFamily="34" charset="-120"/>
-              </a:rPr>
-              <a:t>我全人安然居住</a:t>
-            </a:r>
-            <a:endParaRPr lang="zh-TW" altLang="en-US" sz="6400" b="1" dirty="0">
+              <a:rPr lang="zh-TW" altLang="en-US" sz="6400" b="1" dirty="0" smtClean="0">
+                <a:solidFill>
+                  <a:srgbClr val="660033"/>
+                </a:solidFill>
+                <a:latin typeface="微軟正黑體" pitchFamily="34" charset="-120"/>
+                <a:ea typeface="微軟正黑體" pitchFamily="34" charset="-120"/>
+              </a:rPr>
+              <a:t>全知全能神，榮耀都歸你</a:t>
+            </a:r>
+            <a:endParaRPr lang="en-US" altLang="zh-TW" sz="6400" b="1" dirty="0" smtClean="0">
               <a:solidFill>
-                <a:srgbClr val="000066"/>
+                <a:srgbClr val="660033"/>
               </a:solidFill>
               <a:latin typeface="微軟正黑體" pitchFamily="34" charset="-120"/>
               <a:ea typeface="微軟正黑體" pitchFamily="34" charset="-120"/>
             </a:endParaRPr>
           </a:p>
+          <a:p>
+            <a:pPr algn="ctr">
+              <a:buNone/>
+            </a:pPr>
+            <a:r>
+              <a:rPr lang="zh-TW" altLang="en-US" sz="6400" b="1" dirty="0" smtClean="0">
+                <a:solidFill>
+                  <a:srgbClr val="660033"/>
+                </a:solidFill>
+                <a:latin typeface="微軟正黑體" pitchFamily="34" charset="-120"/>
+                <a:ea typeface="微軟正黑體" pitchFamily="34" charset="-120"/>
+              </a:rPr>
+              <a:t>在你沒有難成的事 </a:t>
+            </a:r>
+            <a:r>
+              <a:rPr lang="en-US" altLang="zh-TW" sz="4400" b="1" dirty="0" smtClean="0">
+                <a:solidFill>
+                  <a:srgbClr val="660033"/>
+                </a:solidFill>
+                <a:latin typeface="微軟正黑體" pitchFamily="34" charset="-120"/>
+                <a:ea typeface="微軟正黑體" pitchFamily="34" charset="-120"/>
+              </a:rPr>
+              <a:t>( x3 )</a:t>
+            </a:r>
+            <a:endParaRPr lang="en-US" altLang="zh-TW" sz="6400" b="1" dirty="0" smtClean="0">
+              <a:solidFill>
+                <a:srgbClr val="660033"/>
+              </a:solidFill>
+              <a:latin typeface="微軟正黑體" pitchFamily="34" charset="-120"/>
+              <a:ea typeface="微軟正黑體" pitchFamily="34" charset="-120"/>
+            </a:endParaRPr>
+          </a:p>
         </p:txBody>
       </p:sp>
     </p:spTree>
-    <p:extLst>
-      <p:ext uri="{BB962C8B-B14F-4D97-AF65-F5344CB8AC3E}">
-        <p14:creationId xmlns:p14="http://schemas.microsoft.com/office/powerpoint/2010/main" val="235650098"/>
-      </p:ext>
-    </p:extLst>
   </p:cSld>
   <p:clrMapOvr>
     <a:masterClrMapping/>
@@ -3417,52 +4092,68 @@
       </p:grpSpPr>
       <p:sp>
         <p:nvSpPr>
-          <p:cNvPr id="5" name="內容版面配置區 4"/>
-          <p:cNvSpPr>
-            <a:spLocks noGrp="1"/>
-          </p:cNvSpPr>
-          <p:nvPr>
-            <p:ph idx="1"/>
-          </p:nvPr>
-        </p:nvSpPr>
-        <p:spPr>
-          <a:xfrm>
-            <a:off x="0" y="2084853"/>
-            <a:ext cx="12192000" cy="2404863"/>
-          </a:xfrm>
-        </p:spPr>
-        <p:txBody>
-          <a:bodyPr anchor="ctr">
+          <p:cNvPr id="2" name="標題 1"/>
+          <p:cNvSpPr>
+            <a:spLocks noGrp="1"/>
+          </p:cNvSpPr>
+          <p:nvPr>
+            <p:ph type="title"/>
+          </p:nvPr>
+        </p:nvSpPr>
+        <p:spPr/>
+        <p:txBody>
+          <a:bodyPr>
             <a:normAutofit/>
           </a:bodyPr>
           <a:lstStyle/>
           <a:p>
+            <a:r>
+              <a:rPr lang="zh-TW" altLang="en-US" sz="5400" b="1" dirty="0" smtClean="0">
+                <a:solidFill>
+                  <a:srgbClr val="660033"/>
+                </a:solidFill>
+                <a:latin typeface="微軟正黑體" pitchFamily="34" charset="-120"/>
+                <a:ea typeface="微軟正黑體" pitchFamily="34" charset="-120"/>
+                <a:cs typeface="+mn-cs"/>
+              </a:rPr>
+              <a:t>在祂沒有難成的事</a:t>
+            </a:r>
+          </a:p>
+        </p:txBody>
+      </p:sp>
+      <p:sp>
+        <p:nvSpPr>
+          <p:cNvPr id="3" name="內容版面配置區 2"/>
+          <p:cNvSpPr>
+            <a:spLocks noGrp="1"/>
+          </p:cNvSpPr>
+          <p:nvPr>
+            <p:ph idx="1"/>
+          </p:nvPr>
+        </p:nvSpPr>
+        <p:spPr/>
+        <p:txBody>
+          <a:bodyPr>
+            <a:noAutofit/>
+          </a:bodyPr>
+          <a:lstStyle/>
+          <a:p>
             <a:pPr algn="ctr">
               <a:buNone/>
             </a:pPr>
             <a:r>
-              <a:rPr lang="zh-CN" altLang="en-US" sz="6400" b="1" dirty="0">
-                <a:solidFill>
-                  <a:srgbClr val="000066"/>
-                </a:solidFill>
-                <a:latin typeface="微軟正黑體" pitchFamily="34" charset="-120"/>
-                <a:ea typeface="微軟正黑體" pitchFamily="34" charset="-120"/>
-              </a:rPr>
-              <a:t>袮</a:t>
-            </a:r>
-            <a:r>
-              <a:rPr lang="zh-TW" altLang="en-US" sz="6400" b="1" dirty="0">
-                <a:solidFill>
-                  <a:srgbClr val="000066"/>
-                </a:solidFill>
-                <a:latin typeface="微軟正黑體" pitchFamily="34" charset="-120"/>
-                <a:ea typeface="微軟正黑體" pitchFamily="34" charset="-120"/>
-              </a:rPr>
-              <a:t>是我至寶  我最深的喜悅</a:t>
-            </a:r>
-            <a:endParaRPr lang="en-US" altLang="zh-TW" sz="6400" b="1" dirty="0">
+              <a:rPr lang="zh-TW" altLang="en-US" sz="6400" b="1" dirty="0" smtClean="0">
+                <a:solidFill>
+                  <a:srgbClr val="660033"/>
+                </a:solidFill>
+                <a:latin typeface="微軟正黑體" pitchFamily="34" charset="-120"/>
+                <a:ea typeface="微軟正黑體" pitchFamily="34" charset="-120"/>
+              </a:rPr>
+              <a:t>沒有難成的事</a:t>
+            </a:r>
+            <a:endParaRPr lang="en-US" altLang="zh-TW" sz="6400" b="1" dirty="0" smtClean="0">
               <a:solidFill>
-                <a:srgbClr val="000066"/>
+                <a:srgbClr val="660033"/>
               </a:solidFill>
               <a:latin typeface="微軟正黑體" pitchFamily="34" charset="-120"/>
               <a:ea typeface="微軟正黑體" pitchFamily="34" charset="-120"/>
@@ -3473,31 +4164,41 @@
               <a:buNone/>
             </a:pPr>
             <a:r>
-              <a:rPr lang="zh-TW" altLang="en-US" sz="6400" b="1" dirty="0">
-                <a:solidFill>
-                  <a:srgbClr val="000066"/>
-                </a:solidFill>
-                <a:latin typeface="微軟正黑體" pitchFamily="34" charset="-120"/>
-                <a:ea typeface="微軟正黑體" pitchFamily="34" charset="-120"/>
-              </a:rPr>
-              <a:t>全心仰望倚靠  我便不致動搖</a:t>
-            </a:r>
-            <a:endParaRPr lang="en-US" altLang="zh-TW" sz="6400" b="1" dirty="0">
+              <a:rPr lang="zh-TW" altLang="en-US" sz="6400" b="1" dirty="0" smtClean="0">
+                <a:solidFill>
+                  <a:srgbClr val="660033"/>
+                </a:solidFill>
+                <a:latin typeface="微軟正黑體" pitchFamily="34" charset="-120"/>
+                <a:ea typeface="微軟正黑體" pitchFamily="34" charset="-120"/>
+              </a:rPr>
+              <a:t>哈利路亞</a:t>
+            </a:r>
+            <a:endParaRPr lang="en-US" altLang="zh-TW" sz="6400" b="1" dirty="0" smtClean="0">
               <a:solidFill>
-                <a:srgbClr val="000066"/>
+                <a:srgbClr val="660033"/>
               </a:solidFill>
               <a:latin typeface="微軟正黑體" pitchFamily="34" charset="-120"/>
               <a:ea typeface="微軟正黑體" pitchFamily="34" charset="-120"/>
             </a:endParaRPr>
           </a:p>
+          <a:p>
+            <a:pPr algn="ctr">
+              <a:buNone/>
+            </a:pPr>
+            <a:r>
+              <a:rPr lang="zh-TW" altLang="en-US" sz="6400" b="1" dirty="0" smtClean="0">
+                <a:solidFill>
+                  <a:srgbClr val="660033"/>
+                </a:solidFill>
+                <a:latin typeface="微軟正黑體" pitchFamily="34" charset="-120"/>
+                <a:ea typeface="微軟正黑體" pitchFamily="34" charset="-120"/>
+              </a:rPr>
+              <a:t>哈利路亞  哈利路亞</a:t>
+            </a:r>
+          </a:p>
         </p:txBody>
       </p:sp>
     </p:spTree>
-    <p:extLst>
-      <p:ext uri="{BB962C8B-B14F-4D97-AF65-F5344CB8AC3E}">
-        <p14:creationId xmlns:p14="http://schemas.microsoft.com/office/powerpoint/2010/main" val="2842043229"/>
-      </p:ext>
-    </p:extLst>
   </p:cSld>
   <p:clrMapOvr>
     <a:masterClrMapping/>
@@ -3524,125 +4225,81 @@
       </p:grpSpPr>
       <p:sp>
         <p:nvSpPr>
-          <p:cNvPr id="5" name="內容版面配置區 4"/>
-          <p:cNvSpPr>
-            <a:spLocks noGrp="1"/>
-          </p:cNvSpPr>
-          <p:nvPr>
-            <p:ph idx="1"/>
+          <p:cNvPr id="4" name="標題 3"/>
+          <p:cNvSpPr>
+            <a:spLocks noGrp="1"/>
+          </p:cNvSpPr>
+          <p:nvPr>
+            <p:ph type="title"/>
           </p:nvPr>
         </p:nvSpPr>
         <p:spPr>
           <a:xfrm>
-            <a:off x="0" y="2084853"/>
-            <a:ext cx="12192000" cy="2404863"/>
+            <a:off x="0" y="2857513"/>
+            <a:ext cx="12192000" cy="1143000"/>
           </a:xfrm>
         </p:spPr>
         <p:txBody>
-          <a:bodyPr anchor="ctr">
-            <a:normAutofit/>
+          <a:bodyPr>
+            <a:noAutofit/>
           </a:bodyPr>
           <a:lstStyle/>
           <a:p>
-            <a:pPr algn="ctr">
-              <a:buNone/>
-            </a:pPr>
-            <a:r>
-              <a:rPr lang="zh-CN" altLang="en-US" sz="6400" b="1" dirty="0">
+            <a:r>
+              <a:rPr lang="zh-TW" altLang="en-US" sz="7200" b="1" i="1" dirty="0">
                 <a:solidFill>
                   <a:srgbClr val="000066"/>
                 </a:solidFill>
+                <a:effectLst>
+                  <a:outerShdw blurRad="38100" dist="38100" dir="2700000" algn="tl">
+                    <a:srgbClr val="000000">
+                      <a:alpha val="43137"/>
+                    </a:srgbClr>
+                  </a:outerShdw>
+                </a:effectLst>
+                <a:latin typeface="微軟正黑體" pitchFamily="34" charset="-120"/>
+                <a:ea typeface="微軟正黑體" pitchFamily="34" charset="-120"/>
+              </a:rPr>
+              <a:t>遇見</a:t>
+            </a:r>
+            <a:r>
+              <a:rPr lang="zh-CN" altLang="en-US" sz="7200" b="1" i="1" dirty="0">
+                <a:solidFill>
+                  <a:srgbClr val="000066"/>
+                </a:solidFill>
+                <a:effectLst>
+                  <a:outerShdw blurRad="38100" dist="38100" dir="2700000" algn="tl">
+                    <a:srgbClr val="000000">
+                      <a:alpha val="43137"/>
+                    </a:srgbClr>
+                  </a:outerShdw>
+                </a:effectLst>
                 <a:latin typeface="微軟正黑體" pitchFamily="34" charset="-120"/>
                 <a:ea typeface="微軟正黑體" pitchFamily="34" charset="-120"/>
               </a:rPr>
               <a:t>袮</a:t>
             </a:r>
-            <a:r>
-              <a:rPr lang="zh-TW" altLang="en-US" sz="6400" b="1" dirty="0">
-                <a:solidFill>
-                  <a:srgbClr val="000066"/>
-                </a:solidFill>
-                <a:latin typeface="微軟正黑體" pitchFamily="34" charset="-120"/>
-                <a:ea typeface="微軟正黑體" pitchFamily="34" charset="-120"/>
-              </a:rPr>
-              <a:t>與我同行  </a:t>
-            </a:r>
-            <a:r>
-              <a:rPr lang="zh-CN" altLang="en-US" sz="6400" b="1" dirty="0">
-                <a:solidFill>
-                  <a:srgbClr val="000066"/>
-                </a:solidFill>
-                <a:latin typeface="微軟正黑體" pitchFamily="34" charset="-120"/>
-                <a:ea typeface="微軟正黑體" pitchFamily="34" charset="-120"/>
-              </a:rPr>
-              <a:t>袮</a:t>
-            </a:r>
-            <a:r>
-              <a:rPr lang="zh-TW" altLang="en-US" sz="6400" b="1" dirty="0">
-                <a:solidFill>
-                  <a:srgbClr val="000066"/>
-                </a:solidFill>
-                <a:latin typeface="微軟正黑體" pitchFamily="34" charset="-120"/>
-                <a:ea typeface="微軟正黑體" pitchFamily="34" charset="-120"/>
-              </a:rPr>
-              <a:t>愛我到底</a:t>
-            </a:r>
-            <a:endParaRPr lang="en-US" altLang="zh-TW" sz="6400" b="1" dirty="0">
+            <a:endParaRPr lang="zh-TW" altLang="en-US" sz="7200" b="1" i="1" dirty="0">
               <a:solidFill>
                 <a:srgbClr val="000066"/>
               </a:solidFill>
+              <a:effectLst>
+                <a:outerShdw blurRad="38100" dist="38100" dir="2700000" algn="tl">
+                  <a:srgbClr val="000000">
+                    <a:alpha val="43137"/>
+                  </a:srgbClr>
+                </a:outerShdw>
+              </a:effectLst>
               <a:latin typeface="微軟正黑體" pitchFamily="34" charset="-120"/>
               <a:ea typeface="微軟正黑體" pitchFamily="34" charset="-120"/>
             </a:endParaRPr>
           </a:p>
-          <a:p>
-            <a:pPr algn="ctr">
-              <a:buNone/>
-            </a:pPr>
-            <a:r>
-              <a:rPr lang="zh-TW" altLang="en-US" sz="6400" b="1" dirty="0">
-                <a:solidFill>
-                  <a:srgbClr val="000066"/>
-                </a:solidFill>
-                <a:latin typeface="微軟正黑體" pitchFamily="34" charset="-120"/>
-                <a:ea typeface="微軟正黑體" pitchFamily="34" charset="-120"/>
-              </a:rPr>
-              <a:t>這一生有</a:t>
-            </a:r>
-            <a:r>
-              <a:rPr lang="zh-CN" altLang="en-US" sz="6400" b="1" dirty="0">
-                <a:solidFill>
-                  <a:srgbClr val="000066"/>
-                </a:solidFill>
-                <a:latin typeface="微軟正黑體" pitchFamily="34" charset="-120"/>
-                <a:ea typeface="微軟正黑體" pitchFamily="34" charset="-120"/>
-              </a:rPr>
-              <a:t>袮</a:t>
-            </a:r>
-            <a:r>
-              <a:rPr lang="zh-TW" altLang="en-US" sz="6400" b="1" dirty="0">
-                <a:solidFill>
-                  <a:srgbClr val="000066"/>
-                </a:solidFill>
-                <a:latin typeface="微軟正黑體" pitchFamily="34" charset="-120"/>
-                <a:ea typeface="微軟正黑體" pitchFamily="34" charset="-120"/>
-              </a:rPr>
-              <a:t>真好</a:t>
-            </a:r>
-            <a:endParaRPr lang="zh-TW" altLang="en-US" sz="6400" b="1" dirty="0">
-              <a:solidFill>
-                <a:srgbClr val="000066"/>
-              </a:solidFill>
-              <a:latin typeface="微軟正黑體" pitchFamily="34" charset="-120"/>
-              <a:ea typeface="微軟正黑體" pitchFamily="34" charset="-120"/>
-            </a:endParaRPr>
-          </a:p>
         </p:txBody>
       </p:sp>
     </p:spTree>
     <p:extLst>
       <p:ext uri="{BB962C8B-B14F-4D97-AF65-F5344CB8AC3E}">
-        <p14:creationId xmlns:p14="http://schemas.microsoft.com/office/powerpoint/2010/main" val="2529367873"/>
+        <p14:creationId xmlns:p14="http://schemas.microsoft.com/office/powerpoint/2010/main" xmlns="" val="2799653032"/>
       </p:ext>
     </p:extLst>
   </p:cSld>
@@ -3702,7 +4359,7 @@
                 <a:latin typeface="微軟正黑體" pitchFamily="34" charset="-120"/>
                 <a:ea typeface="微軟正黑體" pitchFamily="34" charset="-120"/>
               </a:rPr>
-              <a:t>在</a:t>
+              <a:t>當我遇見</a:t>
             </a:r>
             <a:r>
               <a:rPr lang="zh-CN" altLang="en-US" sz="6400" b="1" dirty="0">
@@ -3715,6 +4372,16 @@
               <a:t>袮</a:t>
             </a:r>
             <a:r>
+              <a:rPr lang="en-US" altLang="zh-TW" sz="6400" b="1" dirty="0">
+                <a:solidFill>
+                  <a:srgbClr val="000066"/>
+                </a:solidFill>
+                <a:latin typeface="微軟正黑體" pitchFamily="34" charset="-120"/>
+                <a:ea typeface="微軟正黑體" pitchFamily="34" charset="-120"/>
+              </a:rPr>
+              <a:t>  </a:t>
+            </a:r>
+            <a:r>
               <a:rPr lang="zh-TW" altLang="en-US" sz="6400" b="1" dirty="0">
                 <a:solidFill>
                   <a:srgbClr val="000066"/>
@@ -3722,7 +4389,7 @@
                 <a:latin typeface="微軟正黑體" pitchFamily="34" charset="-120"/>
                 <a:ea typeface="微軟正黑體" pitchFamily="34" charset="-120"/>
               </a:rPr>
-              <a:t>面前有滿足的喜樂</a:t>
+              <a:t>使我夜間歌唱</a:t>
             </a:r>
             <a:endParaRPr lang="en-US" altLang="zh-TW" sz="6400" b="1" dirty="0">
               <a:solidFill>
@@ -3744,7 +4411,7 @@
                 <a:latin typeface="微軟正黑體" pitchFamily="34" charset="-120"/>
                 <a:ea typeface="微軟正黑體" pitchFamily="34" charset="-120"/>
               </a:rPr>
-              <a:t>在</a:t>
+              <a:t>超越一切環境  看見</a:t>
             </a:r>
             <a:r>
               <a:rPr lang="zh-CN" altLang="en-US" sz="6400" b="1" dirty="0">
@@ -3764,7 +4431,7 @@
                 <a:latin typeface="微軟正黑體" pitchFamily="34" charset="-120"/>
                 <a:ea typeface="微軟正黑體" pitchFamily="34" charset="-120"/>
               </a:rPr>
-              <a:t>右手中有永遠的福樂</a:t>
+              <a:t>的同在</a:t>
             </a:r>
             <a:endParaRPr lang="en-US" altLang="zh-TW" sz="6400" b="1" dirty="0">
               <a:solidFill>
@@ -3779,7 +4446,7 @@
     </p:spTree>
     <p:extLst>
       <p:ext uri="{BB962C8B-B14F-4D97-AF65-F5344CB8AC3E}">
-        <p14:creationId xmlns:p14="http://schemas.microsoft.com/office/powerpoint/2010/main" val="1026985615"/>
+        <p14:creationId xmlns:p14="http://schemas.microsoft.com/office/powerpoint/2010/main" xmlns="" val="1037318506"/>
       </p:ext>
     </p:extLst>
   </p:cSld>
@@ -3839,7 +4506,7 @@
                 <a:latin typeface="微軟正黑體" pitchFamily="34" charset="-120"/>
                 <a:ea typeface="微軟正黑體" pitchFamily="34" charset="-120"/>
               </a:rPr>
-              <a:t>量給我的地界  坐落佳美之處 </a:t>
+              <a:t>我的心歡喜  我的靈快樂</a:t>
             </a:r>
             <a:endParaRPr lang="en-US" altLang="zh-TW" sz="6400" b="1" dirty="0">
               <a:solidFill>
@@ -3861,7 +4528,7 @@
                 <a:latin typeface="微軟正黑體" pitchFamily="34" charset="-120"/>
                 <a:ea typeface="微軟正黑體" pitchFamily="34" charset="-120"/>
               </a:rPr>
-              <a:t>我的產業實在美好</a:t>
+              <a:t>我全人安然居住</a:t>
             </a:r>
           </a:p>
         </p:txBody>
@@ -3869,7 +4536,7 @@
     </p:spTree>
     <p:extLst>
       <p:ext uri="{BB962C8B-B14F-4D97-AF65-F5344CB8AC3E}">
-        <p14:creationId xmlns:p14="http://schemas.microsoft.com/office/powerpoint/2010/main" val="2785632229"/>
+        <p14:creationId xmlns:p14="http://schemas.microsoft.com/office/powerpoint/2010/main" xmlns="" val="235650098"/>
       </p:ext>
     </p:extLst>
   </p:cSld>
@@ -3922,6 +4589,16 @@
               <a:buNone/>
             </a:pPr>
             <a:r>
+              <a:rPr lang="zh-CN" altLang="en-US" sz="6400" b="1" dirty="0">
+                <a:solidFill>
+                  <a:srgbClr val="000066"/>
+                </a:solidFill>
+                <a:latin typeface="微軟正黑體" pitchFamily="34" charset="-120"/>
+                <a:ea typeface="微軟正黑體" pitchFamily="34" charset="-120"/>
+              </a:rPr>
+              <a:t>袮</a:t>
+            </a:r>
+            <a:r>
               <a:rPr lang="zh-TW" altLang="en-US" sz="6400" b="1" dirty="0">
                 <a:solidFill>
                   <a:srgbClr val="000066"/>
@@ -3929,27 +4606,7 @@
                 <a:latin typeface="微軟正黑體" pitchFamily="34" charset="-120"/>
                 <a:ea typeface="微軟正黑體" pitchFamily="34" charset="-120"/>
               </a:rPr>
-              <a:t>在</a:t>
-            </a:r>
-            <a:r>
-              <a:rPr lang="zh-CN" altLang="en-US" sz="6400" b="1" dirty="0">
-                <a:solidFill>
-                  <a:srgbClr val="000066"/>
-                </a:solidFill>
-                <a:latin typeface="微軟正黑體" pitchFamily="34" charset="-120"/>
-                <a:ea typeface="微軟正黑體" pitchFamily="34" charset="-120"/>
-              </a:rPr>
-              <a:t>袮</a:t>
-            </a:r>
-            <a:r>
-              <a:rPr lang="zh-TW" altLang="en-US" sz="6400" b="1" dirty="0">
-                <a:solidFill>
-                  <a:srgbClr val="000066"/>
-                </a:solidFill>
-                <a:latin typeface="微軟正黑體" pitchFamily="34" charset="-120"/>
-                <a:ea typeface="微軟正黑體" pitchFamily="34" charset="-120"/>
-              </a:rPr>
-              <a:t>面前有滿足的喜樂</a:t>
+              <a:t>是我至寶  我最深的喜悅</a:t>
             </a:r>
             <a:endParaRPr lang="en-US" altLang="zh-TW" sz="6400" b="1" dirty="0">
               <a:solidFill>
@@ -3971,27 +4628,7 @@
                 <a:latin typeface="微軟正黑體" pitchFamily="34" charset="-120"/>
                 <a:ea typeface="微軟正黑體" pitchFamily="34" charset="-120"/>
               </a:rPr>
-              <a:t>在</a:t>
-            </a:r>
-            <a:r>
-              <a:rPr lang="zh-CN" altLang="en-US" sz="6400" b="1" dirty="0">
-                <a:solidFill>
-                  <a:srgbClr val="000066"/>
-                </a:solidFill>
-                <a:latin typeface="微軟正黑體" pitchFamily="34" charset="-120"/>
-                <a:ea typeface="微軟正黑體" pitchFamily="34" charset="-120"/>
-              </a:rPr>
-              <a:t>袮</a:t>
-            </a:r>
-            <a:r>
-              <a:rPr lang="zh-TW" altLang="en-US" sz="6400" b="1" dirty="0">
-                <a:solidFill>
-                  <a:srgbClr val="000066"/>
-                </a:solidFill>
-                <a:latin typeface="微軟正黑體" pitchFamily="34" charset="-120"/>
-                <a:ea typeface="微軟正黑體" pitchFamily="34" charset="-120"/>
-              </a:rPr>
-              <a:t>右手中有永遠的福樂</a:t>
+              <a:t>全心仰望倚靠  我便不致動搖</a:t>
             </a:r>
             <a:endParaRPr lang="en-US" altLang="zh-TW" sz="6400" b="1" dirty="0">
               <a:solidFill>
@@ -4006,7 +4643,7 @@
     </p:spTree>
     <p:extLst>
       <p:ext uri="{BB962C8B-B14F-4D97-AF65-F5344CB8AC3E}">
-        <p14:creationId xmlns:p14="http://schemas.microsoft.com/office/powerpoint/2010/main" val="1469619297"/>
+        <p14:creationId xmlns:p14="http://schemas.microsoft.com/office/powerpoint/2010/main" xmlns="" val="2842043229"/>
       </p:ext>
     </p:extLst>
   </p:cSld>
@@ -4076,7 +4713,7 @@
                 <a:latin typeface="微軟正黑體" pitchFamily="34" charset="-120"/>
                 <a:ea typeface="微軟正黑體" pitchFamily="34" charset="-120"/>
               </a:rPr>
-              <a:t>是我的主  好處不在</a:t>
+              <a:t>與我同行  </a:t>
             </a:r>
             <a:r>
               <a:rPr lang="zh-CN" altLang="en-US" sz="6400" b="1" dirty="0">
@@ -4096,7 +4733,7 @@
                 <a:latin typeface="微軟正黑體" pitchFamily="34" charset="-120"/>
                 <a:ea typeface="微軟正黑體" pitchFamily="34" charset="-120"/>
               </a:rPr>
-              <a:t>以外 </a:t>
+              <a:t>愛我到底</a:t>
             </a:r>
             <a:endParaRPr lang="en-US" altLang="zh-TW" sz="6400" b="1" dirty="0">
               <a:solidFill>
@@ -4118,7 +4755,7 @@
                 <a:latin typeface="微軟正黑體" pitchFamily="34" charset="-120"/>
                 <a:ea typeface="微軟正黑體" pitchFamily="34" charset="-120"/>
               </a:rPr>
-              <a:t>遇見</a:t>
+              <a:t>這一生有</a:t>
             </a:r>
             <a:r>
               <a:rPr lang="zh-CN" altLang="en-US" sz="6400" b="1" dirty="0">
@@ -4128,7 +4765,7 @@
                 <a:latin typeface="微軟正黑體" pitchFamily="34" charset="-120"/>
                 <a:ea typeface="微軟正黑體" pitchFamily="34" charset="-120"/>
               </a:rPr>
-              <a:t>袮  </a:t>
+              <a:t>袮</a:t>
             </a:r>
             <a:r>
               <a:rPr lang="zh-TW" altLang="en-US" sz="6400" b="1" dirty="0">
@@ -4138,7 +4775,7 @@
                 <a:latin typeface="微軟正黑體" pitchFamily="34" charset="-120"/>
                 <a:ea typeface="微軟正黑體" pitchFamily="34" charset="-120"/>
               </a:rPr>
-              <a:t>我就遇見幸福</a:t>
+              <a:t>真好</a:t>
             </a:r>
           </a:p>
         </p:txBody>
@@ -4146,7 +4783,7 @@
     </p:spTree>
     <p:extLst>
       <p:ext uri="{BB962C8B-B14F-4D97-AF65-F5344CB8AC3E}">
-        <p14:creationId xmlns:p14="http://schemas.microsoft.com/office/powerpoint/2010/main" val="377867710"/>
+        <p14:creationId xmlns:p14="http://schemas.microsoft.com/office/powerpoint/2010/main" xmlns="" val="2529367873"/>
       </p:ext>
     </p:extLst>
   </p:cSld>
